--- a/Docs/Kalman Filter.pptx
+++ b/Docs/Kalman Filter.pptx
@@ -166,13 +166,1285 @@
 <file path=ppt/revisionInfo.xml><?xml version="1.0" encoding="utf-8"?>
 <p1510:revInfo xmlns:a="http://schemas.openxmlformats.org/drawingml/2006/main" xmlns:r="http://schemas.openxmlformats.org/officeDocument/2006/relationships" xmlns:p1510="http://schemas.microsoft.com/office/powerpoint/2015/10/main">
   <p1510:revLst>
-    <p1510:client id="{7FFF3EF2-49BB-41DB-B759-4979FCA49F70}" v="134" dt="2024-06-22T05:24:45.463"/>
+    <p1510:client id="{7EE02DD8-9579-4E27-B761-ECB5E1AFE99E}" v="6" dt="2024-07-02T03:59:53.468"/>
   </p1510:revLst>
 </p1510:revInfo>
 </file>
 
 <file path=ppt/changesInfos/changesInfo1.xml><?xml version="1.0" encoding="utf-8"?>
 <pc:chgInfo xmlns:a="http://schemas.openxmlformats.org/drawingml/2006/main" xmlns:r="http://schemas.openxmlformats.org/officeDocument/2006/relationships" xmlns:ac="http://schemas.microsoft.com/office/drawing/2013/main/command" xmlns:pc="http://schemas.microsoft.com/office/powerpoint/2013/main/command">
+  <pc:docChgLst>
+    <pc:chgData name="Le Thanh Luan" userId="600d64f34c8f77ee" providerId="LiveId" clId="{7EE02DD8-9579-4E27-B761-ECB5E1AFE99E}"/>
+    <pc:docChg chg="undo custSel modSld modMainMaster modNotesMaster">
+      <pc:chgData name="Le Thanh Luan" userId="600d64f34c8f77ee" providerId="LiveId" clId="{7EE02DD8-9579-4E27-B761-ECB5E1AFE99E}" dt="2024-07-02T03:59:53.643" v="34" actId="478"/>
+      <pc:docMkLst>
+        <pc:docMk/>
+      </pc:docMkLst>
+      <pc:sldChg chg="modSp">
+        <pc:chgData name="Le Thanh Luan" userId="600d64f34c8f77ee" providerId="LiveId" clId="{7EE02DD8-9579-4E27-B761-ECB5E1AFE99E}" dt="2024-07-02T03:59:53.468" v="31"/>
+        <pc:sldMkLst>
+          <pc:docMk/>
+          <pc:sldMk cId="743172911" sldId="257"/>
+        </pc:sldMkLst>
+        <pc:spChg chg="mod">
+          <ac:chgData name="Le Thanh Luan" userId="600d64f34c8f77ee" providerId="LiveId" clId="{7EE02DD8-9579-4E27-B761-ECB5E1AFE99E}" dt="2024-07-02T03:59:53.468" v="31"/>
+          <ac:spMkLst>
+            <pc:docMk/>
+            <pc:sldMk cId="743172911" sldId="257"/>
+            <ac:spMk id="11" creationId="{FF8BDF70-CFA6-4031-86B7-31F910D8115D}"/>
+          </ac:spMkLst>
+        </pc:spChg>
+        <pc:spChg chg="mod">
+          <ac:chgData name="Le Thanh Luan" userId="600d64f34c8f77ee" providerId="LiveId" clId="{7EE02DD8-9579-4E27-B761-ECB5E1AFE99E}" dt="2024-07-02T03:59:53.468" v="31"/>
+          <ac:spMkLst>
+            <pc:docMk/>
+            <pc:sldMk cId="743172911" sldId="257"/>
+            <ac:spMk id="12" creationId="{A4ACF486-B7D8-4A5A-B633-83527A2F99E2}"/>
+          </ac:spMkLst>
+        </pc:spChg>
+        <pc:picChg chg="mod">
+          <ac:chgData name="Le Thanh Luan" userId="600d64f34c8f77ee" providerId="LiveId" clId="{7EE02DD8-9579-4E27-B761-ECB5E1AFE99E}" dt="2024-07-02T03:59:53.468" v="31"/>
+          <ac:picMkLst>
+            <pc:docMk/>
+            <pc:sldMk cId="743172911" sldId="257"/>
+            <ac:picMk id="10" creationId="{67FB4AA9-E9AF-4CE0-A0DC-99D795289003}"/>
+          </ac:picMkLst>
+        </pc:picChg>
+      </pc:sldChg>
+      <pc:sldChg chg="modSp">
+        <pc:chgData name="Le Thanh Luan" userId="600d64f34c8f77ee" providerId="LiveId" clId="{7EE02DD8-9579-4E27-B761-ECB5E1AFE99E}" dt="2024-07-02T03:59:53.468" v="31"/>
+        <pc:sldMkLst>
+          <pc:docMk/>
+          <pc:sldMk cId="2830535683" sldId="269"/>
+        </pc:sldMkLst>
+        <pc:spChg chg="mod">
+          <ac:chgData name="Le Thanh Luan" userId="600d64f34c8f77ee" providerId="LiveId" clId="{7EE02DD8-9579-4E27-B761-ECB5E1AFE99E}" dt="2024-07-02T03:59:53.468" v="31"/>
+          <ac:spMkLst>
+            <pc:docMk/>
+            <pc:sldMk cId="2830535683" sldId="269"/>
+            <ac:spMk id="2" creationId="{DA37B5C8-2095-4D2D-97FE-E4E8D89379E1}"/>
+          </ac:spMkLst>
+        </pc:spChg>
+        <pc:spChg chg="mod">
+          <ac:chgData name="Le Thanh Luan" userId="600d64f34c8f77ee" providerId="LiveId" clId="{7EE02DD8-9579-4E27-B761-ECB5E1AFE99E}" dt="2024-07-02T03:59:53.468" v="31"/>
+          <ac:spMkLst>
+            <pc:docMk/>
+            <pc:sldMk cId="2830535683" sldId="269"/>
+            <ac:spMk id="3" creationId="{F78B3876-6ECC-4098-BDD1-C48CE4B42721}"/>
+          </ac:spMkLst>
+        </pc:spChg>
+      </pc:sldChg>
+      <pc:sldChg chg="addSp delSp modSp mod modNotes">
+        <pc:chgData name="Le Thanh Luan" userId="600d64f34c8f77ee" providerId="LiveId" clId="{7EE02DD8-9579-4E27-B761-ECB5E1AFE99E}" dt="2024-07-02T03:59:53.502" v="33" actId="478"/>
+        <pc:sldMkLst>
+          <pc:docMk/>
+          <pc:sldMk cId="2472645469" sldId="284"/>
+        </pc:sldMkLst>
+        <pc:spChg chg="mod">
+          <ac:chgData name="Le Thanh Luan" userId="600d64f34c8f77ee" providerId="LiveId" clId="{7EE02DD8-9579-4E27-B761-ECB5E1AFE99E}" dt="2024-07-02T03:59:53.468" v="31"/>
+          <ac:spMkLst>
+            <pc:docMk/>
+            <pc:sldMk cId="2472645469" sldId="284"/>
+            <ac:spMk id="3" creationId="{F39C6F49-1887-4BE4-A583-FB79B8A22935}"/>
+          </ac:spMkLst>
+        </pc:spChg>
+        <pc:spChg chg="add del">
+          <ac:chgData name="Le Thanh Luan" userId="600d64f34c8f77ee" providerId="LiveId" clId="{7EE02DD8-9579-4E27-B761-ECB5E1AFE99E}" dt="2024-07-02T03:59:53.502" v="33" actId="478"/>
+          <ac:spMkLst>
+            <pc:docMk/>
+            <pc:sldMk cId="2472645469" sldId="284"/>
+            <ac:spMk id="14" creationId="{2D5CA6A3-A3E9-D80D-0A66-E0403F2E47C5}"/>
+          </ac:spMkLst>
+        </pc:spChg>
+        <pc:spChg chg="add del">
+          <ac:chgData name="Le Thanh Luan" userId="600d64f34c8f77ee" providerId="LiveId" clId="{7EE02DD8-9579-4E27-B761-ECB5E1AFE99E}" dt="2024-07-02T03:59:53.502" v="33" actId="478"/>
+          <ac:spMkLst>
+            <pc:docMk/>
+            <pc:sldMk cId="2472645469" sldId="284"/>
+            <ac:spMk id="20" creationId="{6208144F-3B81-AD56-95C3-E3513E9246CE}"/>
+          </ac:spMkLst>
+        </pc:spChg>
+        <pc:spChg chg="add del">
+          <ac:chgData name="Le Thanh Luan" userId="600d64f34c8f77ee" providerId="LiveId" clId="{7EE02DD8-9579-4E27-B761-ECB5E1AFE99E}" dt="2024-07-02T03:59:53.502" v="33" actId="478"/>
+          <ac:spMkLst>
+            <pc:docMk/>
+            <pc:sldMk cId="2472645469" sldId="284"/>
+            <ac:spMk id="22" creationId="{A9B6DA04-2640-F978-D713-0ADA8CB02255}"/>
+          </ac:spMkLst>
+        </pc:spChg>
+        <pc:picChg chg="add mod">
+          <ac:chgData name="Le Thanh Luan" userId="600d64f34c8f77ee" providerId="LiveId" clId="{7EE02DD8-9579-4E27-B761-ECB5E1AFE99E}" dt="2024-07-02T03:59:52.963" v="29"/>
+          <ac:picMkLst>
+            <pc:docMk/>
+            <pc:sldMk cId="2472645469" sldId="284"/>
+            <ac:picMk id="2" creationId="{CD2DD15F-4F55-6D58-2D43-0ED9594DAFD9}"/>
+          </ac:picMkLst>
+        </pc:picChg>
+        <pc:picChg chg="add del">
+          <ac:chgData name="Le Thanh Luan" userId="600d64f34c8f77ee" providerId="LiveId" clId="{7EE02DD8-9579-4E27-B761-ECB5E1AFE99E}" dt="2024-07-02T03:59:53.495" v="32" actId="478"/>
+          <ac:picMkLst>
+            <pc:docMk/>
+            <pc:sldMk cId="2472645469" sldId="284"/>
+            <ac:picMk id="17" creationId="{27AE41D2-7158-93AC-98D3-DD399D7C9898}"/>
+          </ac:picMkLst>
+        </pc:picChg>
+      </pc:sldChg>
+      <pc:sldChg chg="modSp mod modNotes">
+        <pc:chgData name="Le Thanh Luan" userId="600d64f34c8f77ee" providerId="LiveId" clId="{7EE02DD8-9579-4E27-B761-ECB5E1AFE99E}" dt="2024-07-02T03:59:53.468" v="31"/>
+        <pc:sldMkLst>
+          <pc:docMk/>
+          <pc:sldMk cId="3434177841" sldId="285"/>
+        </pc:sldMkLst>
+        <pc:spChg chg="mod">
+          <ac:chgData name="Le Thanh Luan" userId="600d64f34c8f77ee" providerId="LiveId" clId="{7EE02DD8-9579-4E27-B761-ECB5E1AFE99E}" dt="2024-07-02T03:59:53.468" v="31"/>
+          <ac:spMkLst>
+            <pc:docMk/>
+            <pc:sldMk cId="3434177841" sldId="285"/>
+            <ac:spMk id="2" creationId="{9E9CAB07-B0CD-4712-9734-2D3CBC72598C}"/>
+          </ac:spMkLst>
+        </pc:spChg>
+        <pc:spChg chg="mod">
+          <ac:chgData name="Le Thanh Luan" userId="600d64f34c8f77ee" providerId="LiveId" clId="{7EE02DD8-9579-4E27-B761-ECB5E1AFE99E}" dt="2024-07-02T03:59:53.468" v="31"/>
+          <ac:spMkLst>
+            <pc:docMk/>
+            <pc:sldMk cId="3434177841" sldId="285"/>
+            <ac:spMk id="3" creationId="{F39C6F49-1887-4BE4-A583-FB79B8A22935}"/>
+          </ac:spMkLst>
+        </pc:spChg>
+        <pc:picChg chg="mod">
+          <ac:chgData name="Le Thanh Luan" userId="600d64f34c8f77ee" providerId="LiveId" clId="{7EE02DD8-9579-4E27-B761-ECB5E1AFE99E}" dt="2024-07-02T03:59:53.468" v="31"/>
+          <ac:picMkLst>
+            <pc:docMk/>
+            <pc:sldMk cId="3434177841" sldId="285"/>
+            <ac:picMk id="12" creationId="{97FD582A-F057-0FE3-A28A-AA2AB6FB9E48}"/>
+          </ac:picMkLst>
+        </pc:picChg>
+      </pc:sldChg>
+      <pc:sldChg chg="modSp mod modNotes">
+        <pc:chgData name="Le Thanh Luan" userId="600d64f34c8f77ee" providerId="LiveId" clId="{7EE02DD8-9579-4E27-B761-ECB5E1AFE99E}" dt="2024-07-02T03:59:53.468" v="31"/>
+        <pc:sldMkLst>
+          <pc:docMk/>
+          <pc:sldMk cId="2860006779" sldId="286"/>
+        </pc:sldMkLst>
+        <pc:spChg chg="mod">
+          <ac:chgData name="Le Thanh Luan" userId="600d64f34c8f77ee" providerId="LiveId" clId="{7EE02DD8-9579-4E27-B761-ECB5E1AFE99E}" dt="2024-07-02T03:59:53.468" v="31"/>
+          <ac:spMkLst>
+            <pc:docMk/>
+            <pc:sldMk cId="2860006779" sldId="286"/>
+            <ac:spMk id="2" creationId="{9E9CAB07-B0CD-4712-9734-2D3CBC72598C}"/>
+          </ac:spMkLst>
+        </pc:spChg>
+        <pc:spChg chg="mod">
+          <ac:chgData name="Le Thanh Luan" userId="600d64f34c8f77ee" providerId="LiveId" clId="{7EE02DD8-9579-4E27-B761-ECB5E1AFE99E}" dt="2024-07-02T03:59:53.468" v="31"/>
+          <ac:spMkLst>
+            <pc:docMk/>
+            <pc:sldMk cId="2860006779" sldId="286"/>
+            <ac:spMk id="3" creationId="{F39C6F49-1887-4BE4-A583-FB79B8A22935}"/>
+          </ac:spMkLst>
+        </pc:spChg>
+        <pc:spChg chg="mod">
+          <ac:chgData name="Le Thanh Luan" userId="600d64f34c8f77ee" providerId="LiveId" clId="{7EE02DD8-9579-4E27-B761-ECB5E1AFE99E}" dt="2024-07-02T03:59:53.468" v="31"/>
+          <ac:spMkLst>
+            <pc:docMk/>
+            <pc:sldMk cId="2860006779" sldId="286"/>
+            <ac:spMk id="5" creationId="{C614C5AD-BCEB-4164-7C64-0CFACAFF8CD8}"/>
+          </ac:spMkLst>
+        </pc:spChg>
+        <pc:spChg chg="mod">
+          <ac:chgData name="Le Thanh Luan" userId="600d64f34c8f77ee" providerId="LiveId" clId="{7EE02DD8-9579-4E27-B761-ECB5E1AFE99E}" dt="2024-07-02T03:59:53.468" v="31"/>
+          <ac:spMkLst>
+            <pc:docMk/>
+            <pc:sldMk cId="2860006779" sldId="286"/>
+            <ac:spMk id="8" creationId="{70DFE308-2256-D6CC-119F-1847096C35E2}"/>
+          </ac:spMkLst>
+        </pc:spChg>
+        <pc:spChg chg="mod">
+          <ac:chgData name="Le Thanh Luan" userId="600d64f34c8f77ee" providerId="LiveId" clId="{7EE02DD8-9579-4E27-B761-ECB5E1AFE99E}" dt="2024-07-02T03:59:53.468" v="31"/>
+          <ac:spMkLst>
+            <pc:docMk/>
+            <pc:sldMk cId="2860006779" sldId="286"/>
+            <ac:spMk id="10" creationId="{881DF6FC-F78B-628B-9EFA-D8B6ADFD7807}"/>
+          </ac:spMkLst>
+        </pc:spChg>
+        <pc:grpChg chg="mod">
+          <ac:chgData name="Le Thanh Luan" userId="600d64f34c8f77ee" providerId="LiveId" clId="{7EE02DD8-9579-4E27-B761-ECB5E1AFE99E}" dt="2024-07-02T03:59:53.468" v="31"/>
+          <ac:grpSpMkLst>
+            <pc:docMk/>
+            <pc:sldMk cId="2860006779" sldId="286"/>
+            <ac:grpSpMk id="9" creationId="{1E3C7DA8-278D-D81D-90B6-EC96AECC68EB}"/>
+          </ac:grpSpMkLst>
+        </pc:grpChg>
+        <pc:grpChg chg="mod">
+          <ac:chgData name="Le Thanh Luan" userId="600d64f34c8f77ee" providerId="LiveId" clId="{7EE02DD8-9579-4E27-B761-ECB5E1AFE99E}" dt="2024-07-02T03:59:53.468" v="31"/>
+          <ac:grpSpMkLst>
+            <pc:docMk/>
+            <pc:sldMk cId="2860006779" sldId="286"/>
+            <ac:grpSpMk id="11" creationId="{A5F51527-A95B-0592-3064-AABF332CAB66}"/>
+          </ac:grpSpMkLst>
+        </pc:grpChg>
+        <pc:picChg chg="mod">
+          <ac:chgData name="Le Thanh Luan" userId="600d64f34c8f77ee" providerId="LiveId" clId="{7EE02DD8-9579-4E27-B761-ECB5E1AFE99E}" dt="2024-07-02T03:59:53.468" v="31"/>
+          <ac:picMkLst>
+            <pc:docMk/>
+            <pc:sldMk cId="2860006779" sldId="286"/>
+            <ac:picMk id="6" creationId="{54C9DD2E-7A9F-2A47-E892-7C8E1F6CEF44}"/>
+          </ac:picMkLst>
+        </pc:picChg>
+        <pc:picChg chg="mod">
+          <ac:chgData name="Le Thanh Luan" userId="600d64f34c8f77ee" providerId="LiveId" clId="{7EE02DD8-9579-4E27-B761-ECB5E1AFE99E}" dt="2024-07-02T03:59:53.468" v="31"/>
+          <ac:picMkLst>
+            <pc:docMk/>
+            <pc:sldMk cId="2860006779" sldId="286"/>
+            <ac:picMk id="7" creationId="{110B9F46-ACE9-22B4-7FC4-4F4EF6558D44}"/>
+          </ac:picMkLst>
+        </pc:picChg>
+      </pc:sldChg>
+      <pc:sldChg chg="modSp mod modNotes">
+        <pc:chgData name="Le Thanh Luan" userId="600d64f34c8f77ee" providerId="LiveId" clId="{7EE02DD8-9579-4E27-B761-ECB5E1AFE99E}" dt="2024-07-02T03:59:53.468" v="31"/>
+        <pc:sldMkLst>
+          <pc:docMk/>
+          <pc:sldMk cId="1834813635" sldId="288"/>
+        </pc:sldMkLst>
+        <pc:spChg chg="mod">
+          <ac:chgData name="Le Thanh Luan" userId="600d64f34c8f77ee" providerId="LiveId" clId="{7EE02DD8-9579-4E27-B761-ECB5E1AFE99E}" dt="2024-07-02T03:59:53.468" v="31"/>
+          <ac:spMkLst>
+            <pc:docMk/>
+            <pc:sldMk cId="1834813635" sldId="288"/>
+            <ac:spMk id="2" creationId="{9E9CAB07-B0CD-4712-9734-2D3CBC72598C}"/>
+          </ac:spMkLst>
+        </pc:spChg>
+        <pc:spChg chg="mod">
+          <ac:chgData name="Le Thanh Luan" userId="600d64f34c8f77ee" providerId="LiveId" clId="{7EE02DD8-9579-4E27-B761-ECB5E1AFE99E}" dt="2024-07-02T03:59:53.468" v="31"/>
+          <ac:spMkLst>
+            <pc:docMk/>
+            <pc:sldMk cId="1834813635" sldId="288"/>
+            <ac:spMk id="3" creationId="{F39C6F49-1887-4BE4-A583-FB79B8A22935}"/>
+          </ac:spMkLst>
+        </pc:spChg>
+        <pc:spChg chg="mod">
+          <ac:chgData name="Le Thanh Luan" userId="600d64f34c8f77ee" providerId="LiveId" clId="{7EE02DD8-9579-4E27-B761-ECB5E1AFE99E}" dt="2024-07-02T03:59:53.468" v="31"/>
+          <ac:spMkLst>
+            <pc:docMk/>
+            <pc:sldMk cId="1834813635" sldId="288"/>
+            <ac:spMk id="10" creationId="{AEA20B01-9D02-C286-8F01-51BE00B3833D}"/>
+          </ac:spMkLst>
+        </pc:spChg>
+        <pc:picChg chg="mod">
+          <ac:chgData name="Le Thanh Luan" userId="600d64f34c8f77ee" providerId="LiveId" clId="{7EE02DD8-9579-4E27-B761-ECB5E1AFE99E}" dt="2024-07-02T03:59:53.468" v="31"/>
+          <ac:picMkLst>
+            <pc:docMk/>
+            <pc:sldMk cId="1834813635" sldId="288"/>
+            <ac:picMk id="8" creationId="{EF82E3B7-49AF-D78F-9026-499559FA30C0}"/>
+          </ac:picMkLst>
+        </pc:picChg>
+        <pc:picChg chg="mod">
+          <ac:chgData name="Le Thanh Luan" userId="600d64f34c8f77ee" providerId="LiveId" clId="{7EE02DD8-9579-4E27-B761-ECB5E1AFE99E}" dt="2024-07-02T03:59:53.468" v="31"/>
+          <ac:picMkLst>
+            <pc:docMk/>
+            <pc:sldMk cId="1834813635" sldId="288"/>
+            <ac:picMk id="9" creationId="{B974871F-8914-18FA-F5E9-31BAC2880DFA}"/>
+          </ac:picMkLst>
+        </pc:picChg>
+      </pc:sldChg>
+      <pc:sldChg chg="modSp mod modNotes">
+        <pc:chgData name="Le Thanh Luan" userId="600d64f34c8f77ee" providerId="LiveId" clId="{7EE02DD8-9579-4E27-B761-ECB5E1AFE99E}" dt="2024-07-02T03:59:53.468" v="31"/>
+        <pc:sldMkLst>
+          <pc:docMk/>
+          <pc:sldMk cId="1863264681" sldId="289"/>
+        </pc:sldMkLst>
+        <pc:spChg chg="mod">
+          <ac:chgData name="Le Thanh Luan" userId="600d64f34c8f77ee" providerId="LiveId" clId="{7EE02DD8-9579-4E27-B761-ECB5E1AFE99E}" dt="2024-07-02T03:59:53.468" v="31"/>
+          <ac:spMkLst>
+            <pc:docMk/>
+            <pc:sldMk cId="1863264681" sldId="289"/>
+            <ac:spMk id="2" creationId="{9E9CAB07-B0CD-4712-9734-2D3CBC72598C}"/>
+          </ac:spMkLst>
+        </pc:spChg>
+        <pc:spChg chg="mod">
+          <ac:chgData name="Le Thanh Luan" userId="600d64f34c8f77ee" providerId="LiveId" clId="{7EE02DD8-9579-4E27-B761-ECB5E1AFE99E}" dt="2024-07-02T03:59:53.468" v="31"/>
+          <ac:spMkLst>
+            <pc:docMk/>
+            <pc:sldMk cId="1863264681" sldId="289"/>
+            <ac:spMk id="3" creationId="{F39C6F49-1887-4BE4-A583-FB79B8A22935}"/>
+          </ac:spMkLst>
+        </pc:spChg>
+        <pc:picChg chg="mod">
+          <ac:chgData name="Le Thanh Luan" userId="600d64f34c8f77ee" providerId="LiveId" clId="{7EE02DD8-9579-4E27-B761-ECB5E1AFE99E}" dt="2024-07-02T03:59:53.468" v="31"/>
+          <ac:picMkLst>
+            <pc:docMk/>
+            <pc:sldMk cId="1863264681" sldId="289"/>
+            <ac:picMk id="5" creationId="{575796F7-EB2D-8D84-7C25-FB2886C64BF7}"/>
+          </ac:picMkLst>
+        </pc:picChg>
+        <pc:picChg chg="mod">
+          <ac:chgData name="Le Thanh Luan" userId="600d64f34c8f77ee" providerId="LiveId" clId="{7EE02DD8-9579-4E27-B761-ECB5E1AFE99E}" dt="2024-07-02T03:59:53.468" v="31"/>
+          <ac:picMkLst>
+            <pc:docMk/>
+            <pc:sldMk cId="1863264681" sldId="289"/>
+            <ac:picMk id="6" creationId="{8A1ECC84-40AA-A195-31B4-F8481668CF26}"/>
+          </ac:picMkLst>
+        </pc:picChg>
+      </pc:sldChg>
+      <pc:sldChg chg="modSp mod modNotes">
+        <pc:chgData name="Le Thanh Luan" userId="600d64f34c8f77ee" providerId="LiveId" clId="{7EE02DD8-9579-4E27-B761-ECB5E1AFE99E}" dt="2024-07-02T03:59:53.468" v="31"/>
+        <pc:sldMkLst>
+          <pc:docMk/>
+          <pc:sldMk cId="1813064644" sldId="290"/>
+        </pc:sldMkLst>
+        <pc:spChg chg="mod">
+          <ac:chgData name="Le Thanh Luan" userId="600d64f34c8f77ee" providerId="LiveId" clId="{7EE02DD8-9579-4E27-B761-ECB5E1AFE99E}" dt="2024-07-02T03:59:53.468" v="31"/>
+          <ac:spMkLst>
+            <pc:docMk/>
+            <pc:sldMk cId="1813064644" sldId="290"/>
+            <ac:spMk id="2" creationId="{9E9CAB07-B0CD-4712-9734-2D3CBC72598C}"/>
+          </ac:spMkLst>
+        </pc:spChg>
+        <pc:spChg chg="mod">
+          <ac:chgData name="Le Thanh Luan" userId="600d64f34c8f77ee" providerId="LiveId" clId="{7EE02DD8-9579-4E27-B761-ECB5E1AFE99E}" dt="2024-07-02T03:59:53.468" v="31"/>
+          <ac:spMkLst>
+            <pc:docMk/>
+            <pc:sldMk cId="1813064644" sldId="290"/>
+            <ac:spMk id="3" creationId="{F39C6F49-1887-4BE4-A583-FB79B8A22935}"/>
+          </ac:spMkLst>
+        </pc:spChg>
+        <pc:spChg chg="mod">
+          <ac:chgData name="Le Thanh Luan" userId="600d64f34c8f77ee" providerId="LiveId" clId="{7EE02DD8-9579-4E27-B761-ECB5E1AFE99E}" dt="2024-07-02T03:59:53.468" v="31"/>
+          <ac:spMkLst>
+            <pc:docMk/>
+            <pc:sldMk cId="1813064644" sldId="290"/>
+            <ac:spMk id="7" creationId="{3C3BA99D-27B9-E8DF-A72E-E3EE9490BDD5}"/>
+          </ac:spMkLst>
+        </pc:spChg>
+        <pc:picChg chg="mod">
+          <ac:chgData name="Le Thanh Luan" userId="600d64f34c8f77ee" providerId="LiveId" clId="{7EE02DD8-9579-4E27-B761-ECB5E1AFE99E}" dt="2024-07-02T03:59:53.468" v="31"/>
+          <ac:picMkLst>
+            <pc:docMk/>
+            <pc:sldMk cId="1813064644" sldId="290"/>
+            <ac:picMk id="5" creationId="{87F60776-B0EE-4C7B-AF49-602FC53F9162}"/>
+          </ac:picMkLst>
+        </pc:picChg>
+      </pc:sldChg>
+      <pc:sldChg chg="modSp mod modNotes">
+        <pc:chgData name="Le Thanh Luan" userId="600d64f34c8f77ee" providerId="LiveId" clId="{7EE02DD8-9579-4E27-B761-ECB5E1AFE99E}" dt="2024-07-02T03:59:53.468" v="31"/>
+        <pc:sldMkLst>
+          <pc:docMk/>
+          <pc:sldMk cId="1223892736" sldId="293"/>
+        </pc:sldMkLst>
+        <pc:spChg chg="mod">
+          <ac:chgData name="Le Thanh Luan" userId="600d64f34c8f77ee" providerId="LiveId" clId="{7EE02DD8-9579-4E27-B761-ECB5E1AFE99E}" dt="2024-07-02T03:59:53.468" v="31"/>
+          <ac:spMkLst>
+            <pc:docMk/>
+            <pc:sldMk cId="1223892736" sldId="293"/>
+            <ac:spMk id="2" creationId="{9E9CAB07-B0CD-4712-9734-2D3CBC72598C}"/>
+          </ac:spMkLst>
+        </pc:spChg>
+        <pc:spChg chg="mod">
+          <ac:chgData name="Le Thanh Luan" userId="600d64f34c8f77ee" providerId="LiveId" clId="{7EE02DD8-9579-4E27-B761-ECB5E1AFE99E}" dt="2024-07-02T03:59:53.468" v="31"/>
+          <ac:spMkLst>
+            <pc:docMk/>
+            <pc:sldMk cId="1223892736" sldId="293"/>
+            <ac:spMk id="3" creationId="{F39C6F49-1887-4BE4-A583-FB79B8A22935}"/>
+          </ac:spMkLst>
+        </pc:spChg>
+        <pc:picChg chg="mod">
+          <ac:chgData name="Le Thanh Luan" userId="600d64f34c8f77ee" providerId="LiveId" clId="{7EE02DD8-9579-4E27-B761-ECB5E1AFE99E}" dt="2024-07-02T03:59:53.468" v="31"/>
+          <ac:picMkLst>
+            <pc:docMk/>
+            <pc:sldMk cId="1223892736" sldId="293"/>
+            <ac:picMk id="7" creationId="{24229EF9-E429-A05B-515D-FC7621982574}"/>
+          </ac:picMkLst>
+        </pc:picChg>
+      </pc:sldChg>
+      <pc:sldChg chg="addSp delSp modSp mod modNotes">
+        <pc:chgData name="Le Thanh Luan" userId="600d64f34c8f77ee" providerId="LiveId" clId="{7EE02DD8-9579-4E27-B761-ECB5E1AFE99E}" dt="2024-07-02T03:59:53.643" v="34" actId="478"/>
+        <pc:sldMkLst>
+          <pc:docMk/>
+          <pc:sldMk cId="2006901174" sldId="294"/>
+        </pc:sldMkLst>
+        <pc:spChg chg="mod">
+          <ac:chgData name="Le Thanh Luan" userId="600d64f34c8f77ee" providerId="LiveId" clId="{7EE02DD8-9579-4E27-B761-ECB5E1AFE99E}" dt="2024-07-02T03:59:53.468" v="31"/>
+          <ac:spMkLst>
+            <pc:docMk/>
+            <pc:sldMk cId="2006901174" sldId="294"/>
+            <ac:spMk id="2" creationId="{A7101F79-2CBF-4392-B538-B0B5700DB4C6}"/>
+          </ac:spMkLst>
+        </pc:spChg>
+        <pc:spChg chg="mod">
+          <ac:chgData name="Le Thanh Luan" userId="600d64f34c8f77ee" providerId="LiveId" clId="{7EE02DD8-9579-4E27-B761-ECB5E1AFE99E}" dt="2024-07-02T03:59:53.468" v="31"/>
+          <ac:spMkLst>
+            <pc:docMk/>
+            <pc:sldMk cId="2006901174" sldId="294"/>
+            <ac:spMk id="3" creationId="{9EF27CAA-32BA-4E6B-B8C0-1A481E08E81D}"/>
+          </ac:spMkLst>
+        </pc:spChg>
+        <pc:spChg chg="add del">
+          <ac:chgData name="Le Thanh Luan" userId="600d64f34c8f77ee" providerId="LiveId" clId="{7EE02DD8-9579-4E27-B761-ECB5E1AFE99E}" dt="2024-07-02T03:59:53.643" v="34" actId="478"/>
+          <ac:spMkLst>
+            <pc:docMk/>
+            <pc:sldMk cId="2006901174" sldId="294"/>
+            <ac:spMk id="5" creationId="{667A9C97-04F0-977D-6580-D2308BB38C3E}"/>
+          </ac:spMkLst>
+        </pc:spChg>
+        <pc:spChg chg="add del">
+          <ac:chgData name="Le Thanh Luan" userId="600d64f34c8f77ee" providerId="LiveId" clId="{7EE02DD8-9579-4E27-B761-ECB5E1AFE99E}" dt="2024-07-02T03:59:53.643" v="34" actId="478"/>
+          <ac:spMkLst>
+            <pc:docMk/>
+            <pc:sldMk cId="2006901174" sldId="294"/>
+            <ac:spMk id="8" creationId="{71107BA7-739B-38DA-AAA6-74D227B3717A}"/>
+          </ac:spMkLst>
+        </pc:spChg>
+        <pc:grpChg chg="add del">
+          <ac:chgData name="Le Thanh Luan" userId="600d64f34c8f77ee" providerId="LiveId" clId="{7EE02DD8-9579-4E27-B761-ECB5E1AFE99E}" dt="2024-07-02T03:59:53.643" v="34" actId="478"/>
+          <ac:grpSpMkLst>
+            <pc:docMk/>
+            <pc:sldMk cId="2006901174" sldId="294"/>
+            <ac:grpSpMk id="15" creationId="{F46C854A-07D3-1E66-AF40-B685998C5E69}"/>
+          </ac:grpSpMkLst>
+        </pc:grpChg>
+        <pc:picChg chg="add del">
+          <ac:chgData name="Le Thanh Luan" userId="600d64f34c8f77ee" providerId="LiveId" clId="{7EE02DD8-9579-4E27-B761-ECB5E1AFE99E}" dt="2024-07-02T03:59:53.643" v="34" actId="478"/>
+          <ac:picMkLst>
+            <pc:docMk/>
+            <pc:sldMk cId="2006901174" sldId="294"/>
+            <ac:picMk id="10" creationId="{9F416FD5-D97F-6A45-E528-97518E3B8896}"/>
+          </ac:picMkLst>
+        </pc:picChg>
+        <pc:picChg chg="add mod">
+          <ac:chgData name="Le Thanh Luan" userId="600d64f34c8f77ee" providerId="LiveId" clId="{7EE02DD8-9579-4E27-B761-ECB5E1AFE99E}" dt="2024-07-02T03:59:52.156" v="26"/>
+          <ac:picMkLst>
+            <pc:docMk/>
+            <pc:sldMk cId="2006901174" sldId="294"/>
+            <ac:picMk id="16" creationId="{3FFABD5F-9258-9358-65C5-A1993F26F41A}"/>
+          </ac:picMkLst>
+        </pc:picChg>
+      </pc:sldChg>
+      <pc:sldChg chg="modSp mod modNotes">
+        <pc:chgData name="Le Thanh Luan" userId="600d64f34c8f77ee" providerId="LiveId" clId="{7EE02DD8-9579-4E27-B761-ECB5E1AFE99E}" dt="2024-07-02T03:59:53.468" v="31"/>
+        <pc:sldMkLst>
+          <pc:docMk/>
+          <pc:sldMk cId="3603420414" sldId="295"/>
+        </pc:sldMkLst>
+        <pc:spChg chg="mod">
+          <ac:chgData name="Le Thanh Luan" userId="600d64f34c8f77ee" providerId="LiveId" clId="{7EE02DD8-9579-4E27-B761-ECB5E1AFE99E}" dt="2024-07-02T03:59:53.468" v="31"/>
+          <ac:spMkLst>
+            <pc:docMk/>
+            <pc:sldMk cId="3603420414" sldId="295"/>
+            <ac:spMk id="2" creationId="{9E9CAB07-B0CD-4712-9734-2D3CBC72598C}"/>
+          </ac:spMkLst>
+        </pc:spChg>
+        <pc:spChg chg="mod">
+          <ac:chgData name="Le Thanh Luan" userId="600d64f34c8f77ee" providerId="LiveId" clId="{7EE02DD8-9579-4E27-B761-ECB5E1AFE99E}" dt="2024-07-02T03:59:53.468" v="31"/>
+          <ac:spMkLst>
+            <pc:docMk/>
+            <pc:sldMk cId="3603420414" sldId="295"/>
+            <ac:spMk id="3" creationId="{F39C6F49-1887-4BE4-A583-FB79B8A22935}"/>
+          </ac:spMkLst>
+        </pc:spChg>
+        <pc:spChg chg="mod">
+          <ac:chgData name="Le Thanh Luan" userId="600d64f34c8f77ee" providerId="LiveId" clId="{7EE02DD8-9579-4E27-B761-ECB5E1AFE99E}" dt="2024-07-02T03:59:53.468" v="31"/>
+          <ac:spMkLst>
+            <pc:docMk/>
+            <pc:sldMk cId="3603420414" sldId="295"/>
+            <ac:spMk id="7" creationId="{3C3BA99D-27B9-E8DF-A72E-E3EE9490BDD5}"/>
+          </ac:spMkLst>
+        </pc:spChg>
+        <pc:spChg chg="mod">
+          <ac:chgData name="Le Thanh Luan" userId="600d64f34c8f77ee" providerId="LiveId" clId="{7EE02DD8-9579-4E27-B761-ECB5E1AFE99E}" dt="2024-07-02T03:59:53.468" v="31"/>
+          <ac:spMkLst>
+            <pc:docMk/>
+            <pc:sldMk cId="3603420414" sldId="295"/>
+            <ac:spMk id="14" creationId="{39DF7020-7852-D2BA-27C4-341C01D5CB93}"/>
+          </ac:spMkLst>
+        </pc:spChg>
+        <pc:spChg chg="mod">
+          <ac:chgData name="Le Thanh Luan" userId="600d64f34c8f77ee" providerId="LiveId" clId="{7EE02DD8-9579-4E27-B761-ECB5E1AFE99E}" dt="2024-07-02T03:59:53.468" v="31"/>
+          <ac:spMkLst>
+            <pc:docMk/>
+            <pc:sldMk cId="3603420414" sldId="295"/>
+            <ac:spMk id="15" creationId="{5E728275-481B-B0BF-B968-8B2E19220290}"/>
+          </ac:spMkLst>
+        </pc:spChg>
+        <pc:picChg chg="mod">
+          <ac:chgData name="Le Thanh Luan" userId="600d64f34c8f77ee" providerId="LiveId" clId="{7EE02DD8-9579-4E27-B761-ECB5E1AFE99E}" dt="2024-07-02T03:59:53.468" v="31"/>
+          <ac:picMkLst>
+            <pc:docMk/>
+            <pc:sldMk cId="3603420414" sldId="295"/>
+            <ac:picMk id="6" creationId="{0CD45473-4B83-FFF5-6799-A325EF0810DB}"/>
+          </ac:picMkLst>
+        </pc:picChg>
+        <pc:picChg chg="mod">
+          <ac:chgData name="Le Thanh Luan" userId="600d64f34c8f77ee" providerId="LiveId" clId="{7EE02DD8-9579-4E27-B761-ECB5E1AFE99E}" dt="2024-07-02T03:59:53.468" v="31"/>
+          <ac:picMkLst>
+            <pc:docMk/>
+            <pc:sldMk cId="3603420414" sldId="295"/>
+            <ac:picMk id="9" creationId="{345D52C7-6D4F-DE0E-3412-CC4131EA45E5}"/>
+          </ac:picMkLst>
+        </pc:picChg>
+        <pc:picChg chg="mod">
+          <ac:chgData name="Le Thanh Luan" userId="600d64f34c8f77ee" providerId="LiveId" clId="{7EE02DD8-9579-4E27-B761-ECB5E1AFE99E}" dt="2024-07-02T03:59:53.468" v="31"/>
+          <ac:picMkLst>
+            <pc:docMk/>
+            <pc:sldMk cId="3603420414" sldId="295"/>
+            <ac:picMk id="13" creationId="{C2145DE8-C729-3BF5-3619-D77A69E9608E}"/>
+          </ac:picMkLst>
+        </pc:picChg>
+      </pc:sldChg>
+      <pc:sldChg chg="modSp mod modNotes">
+        <pc:chgData name="Le Thanh Luan" userId="600d64f34c8f77ee" providerId="LiveId" clId="{7EE02DD8-9579-4E27-B761-ECB5E1AFE99E}" dt="2024-07-02T03:59:53.468" v="31"/>
+        <pc:sldMkLst>
+          <pc:docMk/>
+          <pc:sldMk cId="2973692023" sldId="296"/>
+        </pc:sldMkLst>
+        <pc:spChg chg="mod">
+          <ac:chgData name="Le Thanh Luan" userId="600d64f34c8f77ee" providerId="LiveId" clId="{7EE02DD8-9579-4E27-B761-ECB5E1AFE99E}" dt="2024-07-02T03:59:53.468" v="31"/>
+          <ac:spMkLst>
+            <pc:docMk/>
+            <pc:sldMk cId="2973692023" sldId="296"/>
+            <ac:spMk id="2" creationId="{9E9CAB07-B0CD-4712-9734-2D3CBC72598C}"/>
+          </ac:spMkLst>
+        </pc:spChg>
+        <pc:spChg chg="mod">
+          <ac:chgData name="Le Thanh Luan" userId="600d64f34c8f77ee" providerId="LiveId" clId="{7EE02DD8-9579-4E27-B761-ECB5E1AFE99E}" dt="2024-07-02T03:59:53.468" v="31"/>
+          <ac:spMkLst>
+            <pc:docMk/>
+            <pc:sldMk cId="2973692023" sldId="296"/>
+            <ac:spMk id="3" creationId="{F39C6F49-1887-4BE4-A583-FB79B8A22935}"/>
+          </ac:spMkLst>
+        </pc:spChg>
+        <pc:spChg chg="mod">
+          <ac:chgData name="Le Thanh Luan" userId="600d64f34c8f77ee" providerId="LiveId" clId="{7EE02DD8-9579-4E27-B761-ECB5E1AFE99E}" dt="2024-07-02T03:59:53.468" v="31"/>
+          <ac:spMkLst>
+            <pc:docMk/>
+            <pc:sldMk cId="2973692023" sldId="296"/>
+            <ac:spMk id="7" creationId="{3C3BA99D-27B9-E8DF-A72E-E3EE9490BDD5}"/>
+          </ac:spMkLst>
+        </pc:spChg>
+        <pc:picChg chg="mod">
+          <ac:chgData name="Le Thanh Luan" userId="600d64f34c8f77ee" providerId="LiveId" clId="{7EE02DD8-9579-4E27-B761-ECB5E1AFE99E}" dt="2024-07-02T03:59:53.468" v="31"/>
+          <ac:picMkLst>
+            <pc:docMk/>
+            <pc:sldMk cId="2973692023" sldId="296"/>
+            <ac:picMk id="4" creationId="{55AFE7CB-D038-C6FB-D7AA-638C049FF96C}"/>
+          </ac:picMkLst>
+        </pc:picChg>
+        <pc:picChg chg="mod">
+          <ac:chgData name="Le Thanh Luan" userId="600d64f34c8f77ee" providerId="LiveId" clId="{7EE02DD8-9579-4E27-B761-ECB5E1AFE99E}" dt="2024-07-02T03:59:53.468" v="31"/>
+          <ac:picMkLst>
+            <pc:docMk/>
+            <pc:sldMk cId="2973692023" sldId="296"/>
+            <ac:picMk id="11" creationId="{6CB79850-F0B8-ADA2-0D98-2BC9A1C4A9AA}"/>
+          </ac:picMkLst>
+        </pc:picChg>
+      </pc:sldChg>
+      <pc:sldMasterChg chg="modSp modSldLayout">
+        <pc:chgData name="Le Thanh Luan" userId="600d64f34c8f77ee" providerId="LiveId" clId="{7EE02DD8-9579-4E27-B761-ECB5E1AFE99E}" dt="2024-07-02T03:59:53.468" v="31"/>
+        <pc:sldMasterMkLst>
+          <pc:docMk/>
+          <pc:sldMasterMk cId="1618328745" sldId="2147483685"/>
+        </pc:sldMasterMkLst>
+        <pc:spChg chg="mod">
+          <ac:chgData name="Le Thanh Luan" userId="600d64f34c8f77ee" providerId="LiveId" clId="{7EE02DD8-9579-4E27-B761-ECB5E1AFE99E}" dt="2024-07-02T03:59:53.468" v="31"/>
+          <ac:spMkLst>
+            <pc:docMk/>
+            <pc:sldMasterMk cId="1618328745" sldId="2147483685"/>
+            <ac:spMk id="2" creationId="{00000000-0000-0000-0000-000000000000}"/>
+          </ac:spMkLst>
+        </pc:spChg>
+        <pc:spChg chg="mod">
+          <ac:chgData name="Le Thanh Luan" userId="600d64f34c8f77ee" providerId="LiveId" clId="{7EE02DD8-9579-4E27-B761-ECB5E1AFE99E}" dt="2024-07-02T03:59:53.468" v="31"/>
+          <ac:spMkLst>
+            <pc:docMk/>
+            <pc:sldMasterMk cId="1618328745" sldId="2147483685"/>
+            <ac:spMk id="3" creationId="{00000000-0000-0000-0000-000000000000}"/>
+          </ac:spMkLst>
+        </pc:spChg>
+        <pc:spChg chg="mod">
+          <ac:chgData name="Le Thanh Luan" userId="600d64f34c8f77ee" providerId="LiveId" clId="{7EE02DD8-9579-4E27-B761-ECB5E1AFE99E}" dt="2024-07-02T03:59:53.468" v="31"/>
+          <ac:spMkLst>
+            <pc:docMk/>
+            <pc:sldMasterMk cId="1618328745" sldId="2147483685"/>
+            <ac:spMk id="4" creationId="{00000000-0000-0000-0000-000000000000}"/>
+          </ac:spMkLst>
+        </pc:spChg>
+        <pc:spChg chg="mod">
+          <ac:chgData name="Le Thanh Luan" userId="600d64f34c8f77ee" providerId="LiveId" clId="{7EE02DD8-9579-4E27-B761-ECB5E1AFE99E}" dt="2024-07-02T03:59:53.468" v="31"/>
+          <ac:spMkLst>
+            <pc:docMk/>
+            <pc:sldMasterMk cId="1618328745" sldId="2147483685"/>
+            <ac:spMk id="5" creationId="{00000000-0000-0000-0000-000000000000}"/>
+          </ac:spMkLst>
+        </pc:spChg>
+        <pc:spChg chg="mod">
+          <ac:chgData name="Le Thanh Luan" userId="600d64f34c8f77ee" providerId="LiveId" clId="{7EE02DD8-9579-4E27-B761-ECB5E1AFE99E}" dt="2024-07-02T03:59:53.468" v="31"/>
+          <ac:spMkLst>
+            <pc:docMk/>
+            <pc:sldMasterMk cId="1618328745" sldId="2147483685"/>
+            <ac:spMk id="6" creationId="{00000000-0000-0000-0000-000000000000}"/>
+          </ac:spMkLst>
+        </pc:spChg>
+        <pc:sldLayoutChg chg="modSp">
+          <pc:chgData name="Le Thanh Luan" userId="600d64f34c8f77ee" providerId="LiveId" clId="{7EE02DD8-9579-4E27-B761-ECB5E1AFE99E}" dt="2024-07-02T03:59:53.468" v="31"/>
+          <pc:sldLayoutMkLst>
+            <pc:docMk/>
+            <pc:sldMasterMk cId="1618328745" sldId="2147483685"/>
+            <pc:sldLayoutMk cId="3938540681" sldId="2147483679"/>
+          </pc:sldLayoutMkLst>
+          <pc:spChg chg="mod">
+            <ac:chgData name="Le Thanh Luan" userId="600d64f34c8f77ee" providerId="LiveId" clId="{7EE02DD8-9579-4E27-B761-ECB5E1AFE99E}" dt="2024-07-02T03:59:53.468" v="31"/>
+            <ac:spMkLst>
+              <pc:docMk/>
+              <pc:sldMasterMk cId="1618328745" sldId="2147483685"/>
+              <pc:sldLayoutMk cId="3938540681" sldId="2147483679"/>
+              <ac:spMk id="13" creationId="{74BADCE4-794A-4B69-9AB7-3D794A1F9A49}"/>
+            </ac:spMkLst>
+          </pc:spChg>
+          <pc:spChg chg="mod">
+            <ac:chgData name="Le Thanh Luan" userId="600d64f34c8f77ee" providerId="LiveId" clId="{7EE02DD8-9579-4E27-B761-ECB5E1AFE99E}" dt="2024-07-02T03:59:53.468" v="31"/>
+            <ac:spMkLst>
+              <pc:docMk/>
+              <pc:sldMasterMk cId="1618328745" sldId="2147483685"/>
+              <pc:sldLayoutMk cId="3938540681" sldId="2147483679"/>
+              <ac:spMk id="14" creationId="{38375D86-D290-4003-A314-C916116C4238}"/>
+            </ac:spMkLst>
+          </pc:spChg>
+          <pc:spChg chg="mod">
+            <ac:chgData name="Le Thanh Luan" userId="600d64f34c8f77ee" providerId="LiveId" clId="{7EE02DD8-9579-4E27-B761-ECB5E1AFE99E}" dt="2024-07-02T03:59:53.468" v="31"/>
+            <ac:spMkLst>
+              <pc:docMk/>
+              <pc:sldMasterMk cId="1618328745" sldId="2147483685"/>
+              <pc:sldLayoutMk cId="3938540681" sldId="2147483679"/>
+              <ac:spMk id="15" creationId="{FB62406B-26DB-4A01-B048-1F2C7540F82F}"/>
+            </ac:spMkLst>
+          </pc:spChg>
+          <pc:spChg chg="mod">
+            <ac:chgData name="Le Thanh Luan" userId="600d64f34c8f77ee" providerId="LiveId" clId="{7EE02DD8-9579-4E27-B761-ECB5E1AFE99E}" dt="2024-07-02T03:59:53.468" v="31"/>
+            <ac:spMkLst>
+              <pc:docMk/>
+              <pc:sldMasterMk cId="1618328745" sldId="2147483685"/>
+              <pc:sldLayoutMk cId="3938540681" sldId="2147483679"/>
+              <ac:spMk id="16" creationId="{A52862E5-D8E1-49BF-8D1B-BF0ED6579EA7}"/>
+            </ac:spMkLst>
+          </pc:spChg>
+          <pc:spChg chg="mod">
+            <ac:chgData name="Le Thanh Luan" userId="600d64f34c8f77ee" providerId="LiveId" clId="{7EE02DD8-9579-4E27-B761-ECB5E1AFE99E}" dt="2024-07-02T03:59:53.468" v="31"/>
+            <ac:spMkLst>
+              <pc:docMk/>
+              <pc:sldMasterMk cId="1618328745" sldId="2147483685"/>
+              <pc:sldLayoutMk cId="3938540681" sldId="2147483679"/>
+              <ac:spMk id="17" creationId="{591AAF74-01FB-49A8-9375-959140F1D0E6}"/>
+            </ac:spMkLst>
+          </pc:spChg>
+          <pc:spChg chg="mod">
+            <ac:chgData name="Le Thanh Luan" userId="600d64f34c8f77ee" providerId="LiveId" clId="{7EE02DD8-9579-4E27-B761-ECB5E1AFE99E}" dt="2024-07-02T03:59:53.468" v="31"/>
+            <ac:spMkLst>
+              <pc:docMk/>
+              <pc:sldMasterMk cId="1618328745" sldId="2147483685"/>
+              <pc:sldLayoutMk cId="3938540681" sldId="2147483679"/>
+              <ac:spMk id="18" creationId="{BBF4BC2F-980C-499D-A4B9-E7CD3D44754C}"/>
+            </ac:spMkLst>
+          </pc:spChg>
+        </pc:sldLayoutChg>
+        <pc:sldLayoutChg chg="modSp">
+          <pc:chgData name="Le Thanh Luan" userId="600d64f34c8f77ee" providerId="LiveId" clId="{7EE02DD8-9579-4E27-B761-ECB5E1AFE99E}" dt="2024-07-02T03:59:53.468" v="31"/>
+          <pc:sldLayoutMkLst>
+            <pc:docMk/>
+            <pc:sldMasterMk cId="1618328745" sldId="2147483685"/>
+            <pc:sldLayoutMk cId="4234231070" sldId="2147483680"/>
+          </pc:sldLayoutMkLst>
+          <pc:spChg chg="mod">
+            <ac:chgData name="Le Thanh Luan" userId="600d64f34c8f77ee" providerId="LiveId" clId="{7EE02DD8-9579-4E27-B761-ECB5E1AFE99E}" dt="2024-07-02T03:59:53.468" v="31"/>
+            <ac:spMkLst>
+              <pc:docMk/>
+              <pc:sldMasterMk cId="1618328745" sldId="2147483685"/>
+              <pc:sldLayoutMk cId="4234231070" sldId="2147483680"/>
+              <ac:spMk id="7" creationId="{007929A3-17ED-41F3-AD36-819BC9DFBCB6}"/>
+            </ac:spMkLst>
+          </pc:spChg>
+          <pc:spChg chg="mod">
+            <ac:chgData name="Le Thanh Luan" userId="600d64f34c8f77ee" providerId="LiveId" clId="{7EE02DD8-9579-4E27-B761-ECB5E1AFE99E}" dt="2024-07-02T03:59:53.468" v="31"/>
+            <ac:spMkLst>
+              <pc:docMk/>
+              <pc:sldMasterMk cId="1618328745" sldId="2147483685"/>
+              <pc:sldLayoutMk cId="4234231070" sldId="2147483680"/>
+              <ac:spMk id="8" creationId="{4973EE95-672F-4E5A-A918-2F51DB2C3ACB}"/>
+            </ac:spMkLst>
+          </pc:spChg>
+          <pc:spChg chg="mod">
+            <ac:chgData name="Le Thanh Luan" userId="600d64f34c8f77ee" providerId="LiveId" clId="{7EE02DD8-9579-4E27-B761-ECB5E1AFE99E}" dt="2024-07-02T03:59:53.468" v="31"/>
+            <ac:spMkLst>
+              <pc:docMk/>
+              <pc:sldMasterMk cId="1618328745" sldId="2147483685"/>
+              <pc:sldLayoutMk cId="4234231070" sldId="2147483680"/>
+              <ac:spMk id="9" creationId="{2B17F6F6-0CA3-4D52-AA3D-7CF8ADE793B6}"/>
+            </ac:spMkLst>
+          </pc:spChg>
+          <pc:spChg chg="mod">
+            <ac:chgData name="Le Thanh Luan" userId="600d64f34c8f77ee" providerId="LiveId" clId="{7EE02DD8-9579-4E27-B761-ECB5E1AFE99E}" dt="2024-07-02T03:59:53.468" v="31"/>
+            <ac:spMkLst>
+              <pc:docMk/>
+              <pc:sldMasterMk cId="1618328745" sldId="2147483685"/>
+              <pc:sldLayoutMk cId="4234231070" sldId="2147483680"/>
+              <ac:spMk id="11" creationId="{943CD72D-5295-43E4-B175-0EA61084ADC7}"/>
+            </ac:spMkLst>
+          </pc:spChg>
+          <pc:spChg chg="mod">
+            <ac:chgData name="Le Thanh Luan" userId="600d64f34c8f77ee" providerId="LiveId" clId="{7EE02DD8-9579-4E27-B761-ECB5E1AFE99E}" dt="2024-07-02T03:59:53.468" v="31"/>
+            <ac:spMkLst>
+              <pc:docMk/>
+              <pc:sldMasterMk cId="1618328745" sldId="2147483685"/>
+              <pc:sldLayoutMk cId="4234231070" sldId="2147483680"/>
+              <ac:spMk id="16" creationId="{0C9A3A79-B187-4A33-8EBB-92ECD8BA3C59}"/>
+            </ac:spMkLst>
+          </pc:spChg>
+        </pc:sldLayoutChg>
+        <pc:sldLayoutChg chg="modSp">
+          <pc:chgData name="Le Thanh Luan" userId="600d64f34c8f77ee" providerId="LiveId" clId="{7EE02DD8-9579-4E27-B761-ECB5E1AFE99E}" dt="2024-07-02T03:59:53.468" v="31"/>
+          <pc:sldLayoutMkLst>
+            <pc:docMk/>
+            <pc:sldMasterMk cId="1618328745" sldId="2147483685"/>
+            <pc:sldLayoutMk cId="1629018821" sldId="2147483681"/>
+          </pc:sldLayoutMkLst>
+          <pc:spChg chg="mod">
+            <ac:chgData name="Le Thanh Luan" userId="600d64f34c8f77ee" providerId="LiveId" clId="{7EE02DD8-9579-4E27-B761-ECB5E1AFE99E}" dt="2024-07-02T03:59:53.468" v="31"/>
+            <ac:spMkLst>
+              <pc:docMk/>
+              <pc:sldMasterMk cId="1618328745" sldId="2147483685"/>
+              <pc:sldLayoutMk cId="1629018821" sldId="2147483681"/>
+              <ac:spMk id="13" creationId="{74BADCE4-794A-4B69-9AB7-3D794A1F9A49}"/>
+            </ac:spMkLst>
+          </pc:spChg>
+          <pc:spChg chg="mod">
+            <ac:chgData name="Le Thanh Luan" userId="600d64f34c8f77ee" providerId="LiveId" clId="{7EE02DD8-9579-4E27-B761-ECB5E1AFE99E}" dt="2024-07-02T03:59:53.468" v="31"/>
+            <ac:spMkLst>
+              <pc:docMk/>
+              <pc:sldMasterMk cId="1618328745" sldId="2147483685"/>
+              <pc:sldLayoutMk cId="1629018821" sldId="2147483681"/>
+              <ac:spMk id="14" creationId="{38375D86-D290-4003-A314-C916116C4238}"/>
+            </ac:spMkLst>
+          </pc:spChg>
+          <pc:spChg chg="mod">
+            <ac:chgData name="Le Thanh Luan" userId="600d64f34c8f77ee" providerId="LiveId" clId="{7EE02DD8-9579-4E27-B761-ECB5E1AFE99E}" dt="2024-07-02T03:59:53.468" v="31"/>
+            <ac:spMkLst>
+              <pc:docMk/>
+              <pc:sldMasterMk cId="1618328745" sldId="2147483685"/>
+              <pc:sldLayoutMk cId="1629018821" sldId="2147483681"/>
+              <ac:spMk id="15" creationId="{FB62406B-26DB-4A01-B048-1F2C7540F82F}"/>
+            </ac:spMkLst>
+          </pc:spChg>
+          <pc:spChg chg="mod">
+            <ac:chgData name="Le Thanh Luan" userId="600d64f34c8f77ee" providerId="LiveId" clId="{7EE02DD8-9579-4E27-B761-ECB5E1AFE99E}" dt="2024-07-02T03:59:53.468" v="31"/>
+            <ac:spMkLst>
+              <pc:docMk/>
+              <pc:sldMasterMk cId="1618328745" sldId="2147483685"/>
+              <pc:sldLayoutMk cId="1629018821" sldId="2147483681"/>
+              <ac:spMk id="16" creationId="{A52862E5-D8E1-49BF-8D1B-BF0ED6579EA7}"/>
+            </ac:spMkLst>
+          </pc:spChg>
+          <pc:spChg chg="mod">
+            <ac:chgData name="Le Thanh Luan" userId="600d64f34c8f77ee" providerId="LiveId" clId="{7EE02DD8-9579-4E27-B761-ECB5E1AFE99E}" dt="2024-07-02T03:59:53.468" v="31"/>
+            <ac:spMkLst>
+              <pc:docMk/>
+              <pc:sldMasterMk cId="1618328745" sldId="2147483685"/>
+              <pc:sldLayoutMk cId="1629018821" sldId="2147483681"/>
+              <ac:spMk id="17" creationId="{591AAF74-01FB-49A8-9375-959140F1D0E6}"/>
+            </ac:spMkLst>
+          </pc:spChg>
+          <pc:spChg chg="mod">
+            <ac:chgData name="Le Thanh Luan" userId="600d64f34c8f77ee" providerId="LiveId" clId="{7EE02DD8-9579-4E27-B761-ECB5E1AFE99E}" dt="2024-07-02T03:59:53.468" v="31"/>
+            <ac:spMkLst>
+              <pc:docMk/>
+              <pc:sldMasterMk cId="1618328745" sldId="2147483685"/>
+              <pc:sldLayoutMk cId="1629018821" sldId="2147483681"/>
+              <ac:spMk id="18" creationId="{BBF4BC2F-980C-499D-A4B9-E7CD3D44754C}"/>
+            </ac:spMkLst>
+          </pc:spChg>
+        </pc:sldLayoutChg>
+        <pc:sldLayoutChg chg="modSp">
+          <pc:chgData name="Le Thanh Luan" userId="600d64f34c8f77ee" providerId="LiveId" clId="{7EE02DD8-9579-4E27-B761-ECB5E1AFE99E}" dt="2024-07-02T03:59:53.468" v="31"/>
+          <pc:sldLayoutMkLst>
+            <pc:docMk/>
+            <pc:sldMasterMk cId="1618328745" sldId="2147483685"/>
+            <pc:sldLayoutMk cId="3666482944" sldId="2147483682"/>
+          </pc:sldLayoutMkLst>
+          <pc:spChg chg="mod">
+            <ac:chgData name="Le Thanh Luan" userId="600d64f34c8f77ee" providerId="LiveId" clId="{7EE02DD8-9579-4E27-B761-ECB5E1AFE99E}" dt="2024-07-02T03:59:53.468" v="31"/>
+            <ac:spMkLst>
+              <pc:docMk/>
+              <pc:sldMasterMk cId="1618328745" sldId="2147483685"/>
+              <pc:sldLayoutMk cId="3666482944" sldId="2147483682"/>
+              <ac:spMk id="7" creationId="{007929A3-17ED-41F3-AD36-819BC9DFBCB6}"/>
+            </ac:spMkLst>
+          </pc:spChg>
+          <pc:spChg chg="mod">
+            <ac:chgData name="Le Thanh Luan" userId="600d64f34c8f77ee" providerId="LiveId" clId="{7EE02DD8-9579-4E27-B761-ECB5E1AFE99E}" dt="2024-07-02T03:59:53.468" v="31"/>
+            <ac:spMkLst>
+              <pc:docMk/>
+              <pc:sldMasterMk cId="1618328745" sldId="2147483685"/>
+              <pc:sldLayoutMk cId="3666482944" sldId="2147483682"/>
+              <ac:spMk id="8" creationId="{4973EE95-672F-4E5A-A918-2F51DB2C3ACB}"/>
+            </ac:spMkLst>
+          </pc:spChg>
+          <pc:spChg chg="mod">
+            <ac:chgData name="Le Thanh Luan" userId="600d64f34c8f77ee" providerId="LiveId" clId="{7EE02DD8-9579-4E27-B761-ECB5E1AFE99E}" dt="2024-07-02T03:59:53.468" v="31"/>
+            <ac:spMkLst>
+              <pc:docMk/>
+              <pc:sldMasterMk cId="1618328745" sldId="2147483685"/>
+              <pc:sldLayoutMk cId="3666482944" sldId="2147483682"/>
+              <ac:spMk id="9" creationId="{2B17F6F6-0CA3-4D52-AA3D-7CF8ADE793B6}"/>
+            </ac:spMkLst>
+          </pc:spChg>
+          <pc:spChg chg="mod">
+            <ac:chgData name="Le Thanh Luan" userId="600d64f34c8f77ee" providerId="LiveId" clId="{7EE02DD8-9579-4E27-B761-ECB5E1AFE99E}" dt="2024-07-02T03:59:53.468" v="31"/>
+            <ac:spMkLst>
+              <pc:docMk/>
+              <pc:sldMasterMk cId="1618328745" sldId="2147483685"/>
+              <pc:sldLayoutMk cId="3666482944" sldId="2147483682"/>
+              <ac:spMk id="11" creationId="{943CD72D-5295-43E4-B175-0EA61084ADC7}"/>
+            </ac:spMkLst>
+          </pc:spChg>
+          <pc:spChg chg="mod">
+            <ac:chgData name="Le Thanh Luan" userId="600d64f34c8f77ee" providerId="LiveId" clId="{7EE02DD8-9579-4E27-B761-ECB5E1AFE99E}" dt="2024-07-02T03:59:53.468" v="31"/>
+            <ac:spMkLst>
+              <pc:docMk/>
+              <pc:sldMasterMk cId="1618328745" sldId="2147483685"/>
+              <pc:sldLayoutMk cId="3666482944" sldId="2147483682"/>
+              <ac:spMk id="16" creationId="{0C9A3A79-B187-4A33-8EBB-92ECD8BA3C59}"/>
+            </ac:spMkLst>
+          </pc:spChg>
+        </pc:sldLayoutChg>
+        <pc:sldLayoutChg chg="modSp">
+          <pc:chgData name="Le Thanh Luan" userId="600d64f34c8f77ee" providerId="LiveId" clId="{7EE02DD8-9579-4E27-B761-ECB5E1AFE99E}" dt="2024-07-02T03:59:53.468" v="31"/>
+          <pc:sldLayoutMkLst>
+            <pc:docMk/>
+            <pc:sldMasterMk cId="1618328745" sldId="2147483685"/>
+            <pc:sldLayoutMk cId="1353402553" sldId="2147483683"/>
+          </pc:sldLayoutMkLst>
+          <pc:spChg chg="mod">
+            <ac:chgData name="Le Thanh Luan" userId="600d64f34c8f77ee" providerId="LiveId" clId="{7EE02DD8-9579-4E27-B761-ECB5E1AFE99E}" dt="2024-07-02T03:59:53.468" v="31"/>
+            <ac:spMkLst>
+              <pc:docMk/>
+              <pc:sldMasterMk cId="1618328745" sldId="2147483685"/>
+              <pc:sldLayoutMk cId="1353402553" sldId="2147483683"/>
+              <ac:spMk id="14" creationId="{1D2FCDAA-D1AE-440A-ADEA-98F1ACB06478}"/>
+            </ac:spMkLst>
+          </pc:spChg>
+          <pc:spChg chg="mod">
+            <ac:chgData name="Le Thanh Luan" userId="600d64f34c8f77ee" providerId="LiveId" clId="{7EE02DD8-9579-4E27-B761-ECB5E1AFE99E}" dt="2024-07-02T03:59:53.468" v="31"/>
+            <ac:spMkLst>
+              <pc:docMk/>
+              <pc:sldMasterMk cId="1618328745" sldId="2147483685"/>
+              <pc:sldLayoutMk cId="1353402553" sldId="2147483683"/>
+              <ac:spMk id="15" creationId="{C4186984-389F-440C-BD79-8D1349BD856E}"/>
+            </ac:spMkLst>
+          </pc:spChg>
+          <pc:spChg chg="mod">
+            <ac:chgData name="Le Thanh Luan" userId="600d64f34c8f77ee" providerId="LiveId" clId="{7EE02DD8-9579-4E27-B761-ECB5E1AFE99E}" dt="2024-07-02T03:59:53.468" v="31"/>
+            <ac:spMkLst>
+              <pc:docMk/>
+              <pc:sldMasterMk cId="1618328745" sldId="2147483685"/>
+              <pc:sldLayoutMk cId="1353402553" sldId="2147483683"/>
+              <ac:spMk id="16" creationId="{5C66723D-7FE6-462E-9733-48764D89B1D4}"/>
+            </ac:spMkLst>
+          </pc:spChg>
+          <pc:spChg chg="mod">
+            <ac:chgData name="Le Thanh Luan" userId="600d64f34c8f77ee" providerId="LiveId" clId="{7EE02DD8-9579-4E27-B761-ECB5E1AFE99E}" dt="2024-07-02T03:59:53.468" v="31"/>
+            <ac:spMkLst>
+              <pc:docMk/>
+              <pc:sldMasterMk cId="1618328745" sldId="2147483685"/>
+              <pc:sldLayoutMk cId="1353402553" sldId="2147483683"/>
+              <ac:spMk id="17" creationId="{03483232-D29A-4255-9149-0177F8785818}"/>
+            </ac:spMkLst>
+          </pc:spChg>
+          <pc:spChg chg="mod">
+            <ac:chgData name="Le Thanh Luan" userId="600d64f34c8f77ee" providerId="LiveId" clId="{7EE02DD8-9579-4E27-B761-ECB5E1AFE99E}" dt="2024-07-02T03:59:53.468" v="31"/>
+            <ac:spMkLst>
+              <pc:docMk/>
+              <pc:sldMasterMk cId="1618328745" sldId="2147483685"/>
+              <pc:sldLayoutMk cId="1353402553" sldId="2147483683"/>
+              <ac:spMk id="18" creationId="{A1BAF8AD-67D8-46AD-A292-05589E827344}"/>
+            </ac:spMkLst>
+          </pc:spChg>
+          <pc:spChg chg="mod">
+            <ac:chgData name="Le Thanh Luan" userId="600d64f34c8f77ee" providerId="LiveId" clId="{7EE02DD8-9579-4E27-B761-ECB5E1AFE99E}" dt="2024-07-02T03:59:53.468" v="31"/>
+            <ac:spMkLst>
+              <pc:docMk/>
+              <pc:sldMasterMk cId="1618328745" sldId="2147483685"/>
+              <pc:sldLayoutMk cId="1353402553" sldId="2147483683"/>
+              <ac:spMk id="19" creationId="{EFD61387-9809-4E21-B8EA-93815E5E8F6F}"/>
+            </ac:spMkLst>
+          </pc:spChg>
+        </pc:sldLayoutChg>
+        <pc:sldLayoutChg chg="modSp">
+          <pc:chgData name="Le Thanh Luan" userId="600d64f34c8f77ee" providerId="LiveId" clId="{7EE02DD8-9579-4E27-B761-ECB5E1AFE99E}" dt="2024-07-02T03:59:53.468" v="31"/>
+          <pc:sldLayoutMkLst>
+            <pc:docMk/>
+            <pc:sldMasterMk cId="1618328745" sldId="2147483685"/>
+            <pc:sldLayoutMk cId="1941396560" sldId="2147483686"/>
+          </pc:sldLayoutMkLst>
+          <pc:spChg chg="mod">
+            <ac:chgData name="Le Thanh Luan" userId="600d64f34c8f77ee" providerId="LiveId" clId="{7EE02DD8-9579-4E27-B761-ECB5E1AFE99E}" dt="2024-07-02T03:59:53.468" v="31"/>
+            <ac:spMkLst>
+              <pc:docMk/>
+              <pc:sldMasterMk cId="1618328745" sldId="2147483685"/>
+              <pc:sldLayoutMk cId="1941396560" sldId="2147483686"/>
+              <ac:spMk id="2" creationId="{00000000-0000-0000-0000-000000000000}"/>
+            </ac:spMkLst>
+          </pc:spChg>
+          <pc:spChg chg="mod">
+            <ac:chgData name="Le Thanh Luan" userId="600d64f34c8f77ee" providerId="LiveId" clId="{7EE02DD8-9579-4E27-B761-ECB5E1AFE99E}" dt="2024-07-02T03:59:53.468" v="31"/>
+            <ac:spMkLst>
+              <pc:docMk/>
+              <pc:sldMasterMk cId="1618328745" sldId="2147483685"/>
+              <pc:sldLayoutMk cId="1941396560" sldId="2147483686"/>
+              <ac:spMk id="3" creationId="{00000000-0000-0000-0000-000000000000}"/>
+            </ac:spMkLst>
+          </pc:spChg>
+        </pc:sldLayoutChg>
+        <pc:sldLayoutChg chg="modSp">
+          <pc:chgData name="Le Thanh Luan" userId="600d64f34c8f77ee" providerId="LiveId" clId="{7EE02DD8-9579-4E27-B761-ECB5E1AFE99E}" dt="2024-07-02T03:59:53.468" v="31"/>
+          <pc:sldLayoutMkLst>
+            <pc:docMk/>
+            <pc:sldMasterMk cId="1618328745" sldId="2147483685"/>
+            <pc:sldLayoutMk cId="515031959" sldId="2147483688"/>
+          </pc:sldLayoutMkLst>
+          <pc:spChg chg="mod">
+            <ac:chgData name="Le Thanh Luan" userId="600d64f34c8f77ee" providerId="LiveId" clId="{7EE02DD8-9579-4E27-B761-ECB5E1AFE99E}" dt="2024-07-02T03:59:53.468" v="31"/>
+            <ac:spMkLst>
+              <pc:docMk/>
+              <pc:sldMasterMk cId="1618328745" sldId="2147483685"/>
+              <pc:sldLayoutMk cId="515031959" sldId="2147483688"/>
+              <ac:spMk id="2" creationId="{00000000-0000-0000-0000-000000000000}"/>
+            </ac:spMkLst>
+          </pc:spChg>
+          <pc:spChg chg="mod">
+            <ac:chgData name="Le Thanh Luan" userId="600d64f34c8f77ee" providerId="LiveId" clId="{7EE02DD8-9579-4E27-B761-ECB5E1AFE99E}" dt="2024-07-02T03:59:53.468" v="31"/>
+            <ac:spMkLst>
+              <pc:docMk/>
+              <pc:sldMasterMk cId="1618328745" sldId="2147483685"/>
+              <pc:sldLayoutMk cId="515031959" sldId="2147483688"/>
+              <ac:spMk id="3" creationId="{00000000-0000-0000-0000-000000000000}"/>
+            </ac:spMkLst>
+          </pc:spChg>
+        </pc:sldLayoutChg>
+        <pc:sldLayoutChg chg="modSp">
+          <pc:chgData name="Le Thanh Luan" userId="600d64f34c8f77ee" providerId="LiveId" clId="{7EE02DD8-9579-4E27-B761-ECB5E1AFE99E}" dt="2024-07-02T03:59:53.468" v="31"/>
+          <pc:sldLayoutMkLst>
+            <pc:docMk/>
+            <pc:sldMasterMk cId="1618328745" sldId="2147483685"/>
+            <pc:sldLayoutMk cId="3837290939" sldId="2147483689"/>
+          </pc:sldLayoutMkLst>
+          <pc:spChg chg="mod">
+            <ac:chgData name="Le Thanh Luan" userId="600d64f34c8f77ee" providerId="LiveId" clId="{7EE02DD8-9579-4E27-B761-ECB5E1AFE99E}" dt="2024-07-02T03:59:53.468" v="31"/>
+            <ac:spMkLst>
+              <pc:docMk/>
+              <pc:sldMasterMk cId="1618328745" sldId="2147483685"/>
+              <pc:sldLayoutMk cId="3837290939" sldId="2147483689"/>
+              <ac:spMk id="3" creationId="{00000000-0000-0000-0000-000000000000}"/>
+            </ac:spMkLst>
+          </pc:spChg>
+          <pc:spChg chg="mod">
+            <ac:chgData name="Le Thanh Luan" userId="600d64f34c8f77ee" providerId="LiveId" clId="{7EE02DD8-9579-4E27-B761-ECB5E1AFE99E}" dt="2024-07-02T03:59:53.468" v="31"/>
+            <ac:spMkLst>
+              <pc:docMk/>
+              <pc:sldMasterMk cId="1618328745" sldId="2147483685"/>
+              <pc:sldLayoutMk cId="3837290939" sldId="2147483689"/>
+              <ac:spMk id="4" creationId="{00000000-0000-0000-0000-000000000000}"/>
+            </ac:spMkLst>
+          </pc:spChg>
+        </pc:sldLayoutChg>
+        <pc:sldLayoutChg chg="modSp">
+          <pc:chgData name="Le Thanh Luan" userId="600d64f34c8f77ee" providerId="LiveId" clId="{7EE02DD8-9579-4E27-B761-ECB5E1AFE99E}" dt="2024-07-02T03:59:53.468" v="31"/>
+          <pc:sldLayoutMkLst>
+            <pc:docMk/>
+            <pc:sldMasterMk cId="1618328745" sldId="2147483685"/>
+            <pc:sldLayoutMk cId="1593142672" sldId="2147483690"/>
+          </pc:sldLayoutMkLst>
+          <pc:spChg chg="mod">
+            <ac:chgData name="Le Thanh Luan" userId="600d64f34c8f77ee" providerId="LiveId" clId="{7EE02DD8-9579-4E27-B761-ECB5E1AFE99E}" dt="2024-07-02T03:59:53.468" v="31"/>
+            <ac:spMkLst>
+              <pc:docMk/>
+              <pc:sldMasterMk cId="1618328745" sldId="2147483685"/>
+              <pc:sldLayoutMk cId="1593142672" sldId="2147483690"/>
+              <ac:spMk id="2" creationId="{00000000-0000-0000-0000-000000000000}"/>
+            </ac:spMkLst>
+          </pc:spChg>
+          <pc:spChg chg="mod">
+            <ac:chgData name="Le Thanh Luan" userId="600d64f34c8f77ee" providerId="LiveId" clId="{7EE02DD8-9579-4E27-B761-ECB5E1AFE99E}" dt="2024-07-02T03:59:53.468" v="31"/>
+            <ac:spMkLst>
+              <pc:docMk/>
+              <pc:sldMasterMk cId="1618328745" sldId="2147483685"/>
+              <pc:sldLayoutMk cId="1593142672" sldId="2147483690"/>
+              <ac:spMk id="3" creationId="{00000000-0000-0000-0000-000000000000}"/>
+            </ac:spMkLst>
+          </pc:spChg>
+          <pc:spChg chg="mod">
+            <ac:chgData name="Le Thanh Luan" userId="600d64f34c8f77ee" providerId="LiveId" clId="{7EE02DD8-9579-4E27-B761-ECB5E1AFE99E}" dt="2024-07-02T03:59:53.468" v="31"/>
+            <ac:spMkLst>
+              <pc:docMk/>
+              <pc:sldMasterMk cId="1618328745" sldId="2147483685"/>
+              <pc:sldLayoutMk cId="1593142672" sldId="2147483690"/>
+              <ac:spMk id="4" creationId="{00000000-0000-0000-0000-000000000000}"/>
+            </ac:spMkLst>
+          </pc:spChg>
+          <pc:spChg chg="mod">
+            <ac:chgData name="Le Thanh Luan" userId="600d64f34c8f77ee" providerId="LiveId" clId="{7EE02DD8-9579-4E27-B761-ECB5E1AFE99E}" dt="2024-07-02T03:59:53.468" v="31"/>
+            <ac:spMkLst>
+              <pc:docMk/>
+              <pc:sldMasterMk cId="1618328745" sldId="2147483685"/>
+              <pc:sldLayoutMk cId="1593142672" sldId="2147483690"/>
+              <ac:spMk id="5" creationId="{00000000-0000-0000-0000-000000000000}"/>
+            </ac:spMkLst>
+          </pc:spChg>
+          <pc:spChg chg="mod">
+            <ac:chgData name="Le Thanh Luan" userId="600d64f34c8f77ee" providerId="LiveId" clId="{7EE02DD8-9579-4E27-B761-ECB5E1AFE99E}" dt="2024-07-02T03:59:53.468" v="31"/>
+            <ac:spMkLst>
+              <pc:docMk/>
+              <pc:sldMasterMk cId="1618328745" sldId="2147483685"/>
+              <pc:sldLayoutMk cId="1593142672" sldId="2147483690"/>
+              <ac:spMk id="6" creationId="{00000000-0000-0000-0000-000000000000}"/>
+            </ac:spMkLst>
+          </pc:spChg>
+        </pc:sldLayoutChg>
+        <pc:sldLayoutChg chg="modSp">
+          <pc:chgData name="Le Thanh Luan" userId="600d64f34c8f77ee" providerId="LiveId" clId="{7EE02DD8-9579-4E27-B761-ECB5E1AFE99E}" dt="2024-07-02T03:59:53.468" v="31"/>
+          <pc:sldLayoutMkLst>
+            <pc:docMk/>
+            <pc:sldMasterMk cId="1618328745" sldId="2147483685"/>
+            <pc:sldLayoutMk cId="2671233487" sldId="2147483693"/>
+          </pc:sldLayoutMkLst>
+          <pc:spChg chg="mod">
+            <ac:chgData name="Le Thanh Luan" userId="600d64f34c8f77ee" providerId="LiveId" clId="{7EE02DD8-9579-4E27-B761-ECB5E1AFE99E}" dt="2024-07-02T03:59:53.468" v="31"/>
+            <ac:spMkLst>
+              <pc:docMk/>
+              <pc:sldMasterMk cId="1618328745" sldId="2147483685"/>
+              <pc:sldLayoutMk cId="2671233487" sldId="2147483693"/>
+              <ac:spMk id="2" creationId="{00000000-0000-0000-0000-000000000000}"/>
+            </ac:spMkLst>
+          </pc:spChg>
+          <pc:spChg chg="mod">
+            <ac:chgData name="Le Thanh Luan" userId="600d64f34c8f77ee" providerId="LiveId" clId="{7EE02DD8-9579-4E27-B761-ECB5E1AFE99E}" dt="2024-07-02T03:59:53.468" v="31"/>
+            <ac:spMkLst>
+              <pc:docMk/>
+              <pc:sldMasterMk cId="1618328745" sldId="2147483685"/>
+              <pc:sldLayoutMk cId="2671233487" sldId="2147483693"/>
+              <ac:spMk id="3" creationId="{00000000-0000-0000-0000-000000000000}"/>
+            </ac:spMkLst>
+          </pc:spChg>
+          <pc:spChg chg="mod">
+            <ac:chgData name="Le Thanh Luan" userId="600d64f34c8f77ee" providerId="LiveId" clId="{7EE02DD8-9579-4E27-B761-ECB5E1AFE99E}" dt="2024-07-02T03:59:53.468" v="31"/>
+            <ac:spMkLst>
+              <pc:docMk/>
+              <pc:sldMasterMk cId="1618328745" sldId="2147483685"/>
+              <pc:sldLayoutMk cId="2671233487" sldId="2147483693"/>
+              <ac:spMk id="4" creationId="{00000000-0000-0000-0000-000000000000}"/>
+            </ac:spMkLst>
+          </pc:spChg>
+        </pc:sldLayoutChg>
+        <pc:sldLayoutChg chg="modSp">
+          <pc:chgData name="Le Thanh Luan" userId="600d64f34c8f77ee" providerId="LiveId" clId="{7EE02DD8-9579-4E27-B761-ECB5E1AFE99E}" dt="2024-07-02T03:59:53.468" v="31"/>
+          <pc:sldLayoutMkLst>
+            <pc:docMk/>
+            <pc:sldMasterMk cId="1618328745" sldId="2147483685"/>
+            <pc:sldLayoutMk cId="1846126134" sldId="2147483694"/>
+          </pc:sldLayoutMkLst>
+          <pc:spChg chg="mod">
+            <ac:chgData name="Le Thanh Luan" userId="600d64f34c8f77ee" providerId="LiveId" clId="{7EE02DD8-9579-4E27-B761-ECB5E1AFE99E}" dt="2024-07-02T03:59:53.468" v="31"/>
+            <ac:spMkLst>
+              <pc:docMk/>
+              <pc:sldMasterMk cId="1618328745" sldId="2147483685"/>
+              <pc:sldLayoutMk cId="1846126134" sldId="2147483694"/>
+              <ac:spMk id="2" creationId="{00000000-0000-0000-0000-000000000000}"/>
+            </ac:spMkLst>
+          </pc:spChg>
+          <pc:spChg chg="mod">
+            <ac:chgData name="Le Thanh Luan" userId="600d64f34c8f77ee" providerId="LiveId" clId="{7EE02DD8-9579-4E27-B761-ECB5E1AFE99E}" dt="2024-07-02T03:59:53.468" v="31"/>
+            <ac:spMkLst>
+              <pc:docMk/>
+              <pc:sldMasterMk cId="1618328745" sldId="2147483685"/>
+              <pc:sldLayoutMk cId="1846126134" sldId="2147483694"/>
+              <ac:spMk id="3" creationId="{00000000-0000-0000-0000-000000000000}"/>
+            </ac:spMkLst>
+          </pc:spChg>
+          <pc:spChg chg="mod">
+            <ac:chgData name="Le Thanh Luan" userId="600d64f34c8f77ee" providerId="LiveId" clId="{7EE02DD8-9579-4E27-B761-ECB5E1AFE99E}" dt="2024-07-02T03:59:53.468" v="31"/>
+            <ac:spMkLst>
+              <pc:docMk/>
+              <pc:sldMasterMk cId="1618328745" sldId="2147483685"/>
+              <pc:sldLayoutMk cId="1846126134" sldId="2147483694"/>
+              <ac:spMk id="4" creationId="{00000000-0000-0000-0000-000000000000}"/>
+            </ac:spMkLst>
+          </pc:spChg>
+        </pc:sldLayoutChg>
+        <pc:sldLayoutChg chg="modSp">
+          <pc:chgData name="Le Thanh Luan" userId="600d64f34c8f77ee" providerId="LiveId" clId="{7EE02DD8-9579-4E27-B761-ECB5E1AFE99E}" dt="2024-07-02T03:59:53.468" v="31"/>
+          <pc:sldLayoutMkLst>
+            <pc:docMk/>
+            <pc:sldMasterMk cId="1618328745" sldId="2147483685"/>
+            <pc:sldLayoutMk cId="2319275267" sldId="2147483696"/>
+          </pc:sldLayoutMkLst>
+          <pc:spChg chg="mod">
+            <ac:chgData name="Le Thanh Luan" userId="600d64f34c8f77ee" providerId="LiveId" clId="{7EE02DD8-9579-4E27-B761-ECB5E1AFE99E}" dt="2024-07-02T03:59:53.468" v="31"/>
+            <ac:spMkLst>
+              <pc:docMk/>
+              <pc:sldMasterMk cId="1618328745" sldId="2147483685"/>
+              <pc:sldLayoutMk cId="2319275267" sldId="2147483696"/>
+              <ac:spMk id="2" creationId="{00000000-0000-0000-0000-000000000000}"/>
+            </ac:spMkLst>
+          </pc:spChg>
+          <pc:spChg chg="mod">
+            <ac:chgData name="Le Thanh Luan" userId="600d64f34c8f77ee" providerId="LiveId" clId="{7EE02DD8-9579-4E27-B761-ECB5E1AFE99E}" dt="2024-07-02T03:59:53.468" v="31"/>
+            <ac:spMkLst>
+              <pc:docMk/>
+              <pc:sldMasterMk cId="1618328745" sldId="2147483685"/>
+              <pc:sldLayoutMk cId="2319275267" sldId="2147483696"/>
+              <ac:spMk id="3" creationId="{00000000-0000-0000-0000-000000000000}"/>
+            </ac:spMkLst>
+          </pc:spChg>
+        </pc:sldLayoutChg>
+        <pc:sldLayoutChg chg="modSp">
+          <pc:chgData name="Le Thanh Luan" userId="600d64f34c8f77ee" providerId="LiveId" clId="{7EE02DD8-9579-4E27-B761-ECB5E1AFE99E}" dt="2024-07-02T03:59:53.468" v="31"/>
+          <pc:sldLayoutMkLst>
+            <pc:docMk/>
+            <pc:sldMasterMk cId="1618328745" sldId="2147483685"/>
+            <pc:sldLayoutMk cId="3594490811" sldId="2147483700"/>
+          </pc:sldLayoutMkLst>
+          <pc:spChg chg="mod">
+            <ac:chgData name="Le Thanh Luan" userId="600d64f34c8f77ee" providerId="LiveId" clId="{7EE02DD8-9579-4E27-B761-ECB5E1AFE99E}" dt="2024-07-02T03:59:53.468" v="31"/>
+            <ac:spMkLst>
+              <pc:docMk/>
+              <pc:sldMasterMk cId="1618328745" sldId="2147483685"/>
+              <pc:sldLayoutMk cId="3594490811" sldId="2147483700"/>
+              <ac:spMk id="7" creationId="{007929A3-17ED-41F3-AD36-819BC9DFBCB6}"/>
+            </ac:spMkLst>
+          </pc:spChg>
+          <pc:spChg chg="mod">
+            <ac:chgData name="Le Thanh Luan" userId="600d64f34c8f77ee" providerId="LiveId" clId="{7EE02DD8-9579-4E27-B761-ECB5E1AFE99E}" dt="2024-07-02T03:59:53.468" v="31"/>
+            <ac:spMkLst>
+              <pc:docMk/>
+              <pc:sldMasterMk cId="1618328745" sldId="2147483685"/>
+              <pc:sldLayoutMk cId="3594490811" sldId="2147483700"/>
+              <ac:spMk id="8" creationId="{4973EE95-672F-4E5A-A918-2F51DB2C3ACB}"/>
+            </ac:spMkLst>
+          </pc:spChg>
+          <pc:spChg chg="mod">
+            <ac:chgData name="Le Thanh Luan" userId="600d64f34c8f77ee" providerId="LiveId" clId="{7EE02DD8-9579-4E27-B761-ECB5E1AFE99E}" dt="2024-07-02T03:59:53.468" v="31"/>
+            <ac:spMkLst>
+              <pc:docMk/>
+              <pc:sldMasterMk cId="1618328745" sldId="2147483685"/>
+              <pc:sldLayoutMk cId="3594490811" sldId="2147483700"/>
+              <ac:spMk id="9" creationId="{2B17F6F6-0CA3-4D52-AA3D-7CF8ADE793B6}"/>
+            </ac:spMkLst>
+          </pc:spChg>
+          <pc:spChg chg="mod">
+            <ac:chgData name="Le Thanh Luan" userId="600d64f34c8f77ee" providerId="LiveId" clId="{7EE02DD8-9579-4E27-B761-ECB5E1AFE99E}" dt="2024-07-02T03:59:53.468" v="31"/>
+            <ac:spMkLst>
+              <pc:docMk/>
+              <pc:sldMasterMk cId="1618328745" sldId="2147483685"/>
+              <pc:sldLayoutMk cId="3594490811" sldId="2147483700"/>
+              <ac:spMk id="11" creationId="{943CD72D-5295-43E4-B175-0EA61084ADC7}"/>
+            </ac:spMkLst>
+          </pc:spChg>
+          <pc:spChg chg="mod">
+            <ac:chgData name="Le Thanh Luan" userId="600d64f34c8f77ee" providerId="LiveId" clId="{7EE02DD8-9579-4E27-B761-ECB5E1AFE99E}" dt="2024-07-02T03:59:53.468" v="31"/>
+            <ac:spMkLst>
+              <pc:docMk/>
+              <pc:sldMasterMk cId="1618328745" sldId="2147483685"/>
+              <pc:sldLayoutMk cId="3594490811" sldId="2147483700"/>
+              <ac:spMk id="16" creationId="{0C9A3A79-B187-4A33-8EBB-92ECD8BA3C59}"/>
+            </ac:spMkLst>
+          </pc:spChg>
+        </pc:sldLayoutChg>
+        <pc:sldLayoutChg chg="modSp">
+          <pc:chgData name="Le Thanh Luan" userId="600d64f34c8f77ee" providerId="LiveId" clId="{7EE02DD8-9579-4E27-B761-ECB5E1AFE99E}" dt="2024-07-02T03:59:53.468" v="31"/>
+          <pc:sldLayoutMkLst>
+            <pc:docMk/>
+            <pc:sldMasterMk cId="1618328745" sldId="2147483685"/>
+            <pc:sldLayoutMk cId="1598870107" sldId="2147483701"/>
+          </pc:sldLayoutMkLst>
+          <pc:spChg chg="mod">
+            <ac:chgData name="Le Thanh Luan" userId="600d64f34c8f77ee" providerId="LiveId" clId="{7EE02DD8-9579-4E27-B761-ECB5E1AFE99E}" dt="2024-07-02T03:59:53.468" v="31"/>
+            <ac:spMkLst>
+              <pc:docMk/>
+              <pc:sldMasterMk cId="1618328745" sldId="2147483685"/>
+              <pc:sldLayoutMk cId="1598870107" sldId="2147483701"/>
+              <ac:spMk id="5" creationId="{76EAE966-F590-4BAF-A55B-75735FCC661F}"/>
+            </ac:spMkLst>
+          </pc:spChg>
+          <pc:spChg chg="mod">
+            <ac:chgData name="Le Thanh Luan" userId="600d64f34c8f77ee" providerId="LiveId" clId="{7EE02DD8-9579-4E27-B761-ECB5E1AFE99E}" dt="2024-07-02T03:59:53.468" v="31"/>
+            <ac:spMkLst>
+              <pc:docMk/>
+              <pc:sldMasterMk cId="1618328745" sldId="2147483685"/>
+              <pc:sldLayoutMk cId="1598870107" sldId="2147483701"/>
+              <ac:spMk id="6" creationId="{C330CA1C-4366-43E8-9DC8-B360FC115AE4}"/>
+            </ac:spMkLst>
+          </pc:spChg>
+          <pc:spChg chg="mod">
+            <ac:chgData name="Le Thanh Luan" userId="600d64f34c8f77ee" providerId="LiveId" clId="{7EE02DD8-9579-4E27-B761-ECB5E1AFE99E}" dt="2024-07-02T03:59:53.468" v="31"/>
+            <ac:spMkLst>
+              <pc:docMk/>
+              <pc:sldMasterMk cId="1618328745" sldId="2147483685"/>
+              <pc:sldLayoutMk cId="1598870107" sldId="2147483701"/>
+              <ac:spMk id="7" creationId="{72DB13F6-9193-4FE2-AE85-5B96248CC0EA}"/>
+            </ac:spMkLst>
+          </pc:spChg>
+        </pc:sldLayoutChg>
+        <pc:sldLayoutChg chg="modSp">
+          <pc:chgData name="Le Thanh Luan" userId="600d64f34c8f77ee" providerId="LiveId" clId="{7EE02DD8-9579-4E27-B761-ECB5E1AFE99E}" dt="2024-07-02T03:59:53.468" v="31"/>
+          <pc:sldLayoutMkLst>
+            <pc:docMk/>
+            <pc:sldMasterMk cId="1618328745" sldId="2147483685"/>
+            <pc:sldLayoutMk cId="1473146463" sldId="2147483702"/>
+          </pc:sldLayoutMkLst>
+          <pc:spChg chg="mod">
+            <ac:chgData name="Le Thanh Luan" userId="600d64f34c8f77ee" providerId="LiveId" clId="{7EE02DD8-9579-4E27-B761-ECB5E1AFE99E}" dt="2024-07-02T03:59:53.468" v="31"/>
+            <ac:spMkLst>
+              <pc:docMk/>
+              <pc:sldMasterMk cId="1618328745" sldId="2147483685"/>
+              <pc:sldLayoutMk cId="1473146463" sldId="2147483702"/>
+              <ac:spMk id="4" creationId="{DB30FC03-A82E-4B34-AE4B-8AC40A0CD5B2}"/>
+            </ac:spMkLst>
+          </pc:spChg>
+          <pc:spChg chg="mod">
+            <ac:chgData name="Le Thanh Luan" userId="600d64f34c8f77ee" providerId="LiveId" clId="{7EE02DD8-9579-4E27-B761-ECB5E1AFE99E}" dt="2024-07-02T03:59:53.468" v="31"/>
+            <ac:spMkLst>
+              <pc:docMk/>
+              <pc:sldMasterMk cId="1618328745" sldId="2147483685"/>
+              <pc:sldLayoutMk cId="1473146463" sldId="2147483702"/>
+              <ac:spMk id="5" creationId="{D149FB7E-C73B-452D-861A-6C73FF59EC96}"/>
+            </ac:spMkLst>
+          </pc:spChg>
+          <pc:spChg chg="mod">
+            <ac:chgData name="Le Thanh Luan" userId="600d64f34c8f77ee" providerId="LiveId" clId="{7EE02DD8-9579-4E27-B761-ECB5E1AFE99E}" dt="2024-07-02T03:59:53.468" v="31"/>
+            <ac:spMkLst>
+              <pc:docMk/>
+              <pc:sldMasterMk cId="1618328745" sldId="2147483685"/>
+              <pc:sldLayoutMk cId="1473146463" sldId="2147483702"/>
+              <ac:spMk id="6" creationId="{8A5733BD-32DD-483E-A597-B70529CBDA53}"/>
+            </ac:spMkLst>
+          </pc:spChg>
+          <pc:spChg chg="mod">
+            <ac:chgData name="Le Thanh Luan" userId="600d64f34c8f77ee" providerId="LiveId" clId="{7EE02DD8-9579-4E27-B761-ECB5E1AFE99E}" dt="2024-07-02T03:59:53.468" v="31"/>
+            <ac:spMkLst>
+              <pc:docMk/>
+              <pc:sldMasterMk cId="1618328745" sldId="2147483685"/>
+              <pc:sldLayoutMk cId="1473146463" sldId="2147483702"/>
+              <ac:spMk id="10" creationId="{44DCE4FD-DEE1-4DE9-A40E-616ACEB2FECC}"/>
+            </ac:spMkLst>
+          </pc:spChg>
+          <pc:spChg chg="mod">
+            <ac:chgData name="Le Thanh Luan" userId="600d64f34c8f77ee" providerId="LiveId" clId="{7EE02DD8-9579-4E27-B761-ECB5E1AFE99E}" dt="2024-07-02T03:59:53.468" v="31"/>
+            <ac:spMkLst>
+              <pc:docMk/>
+              <pc:sldMasterMk cId="1618328745" sldId="2147483685"/>
+              <pc:sldLayoutMk cId="1473146463" sldId="2147483702"/>
+              <ac:spMk id="11" creationId="{90DFCEB3-810D-48E5-B7BA-1A6C924A64A4}"/>
+            </ac:spMkLst>
+          </pc:spChg>
+        </pc:sldLayoutChg>
+      </pc:sldMasterChg>
+    </pc:docChg>
+  </pc:docChgLst>
   <pc:docChgLst>
     <pc:chgData name="Le Thanh Luan" userId="600d64f34c8f77ee" providerId="LiveId" clId="{F5CCC38A-7E86-487C-930F-015A15E99866}"/>
     <pc:docChg chg="undo custSel addSld delSld modSld sldOrd">
@@ -3240,7 +4512,7 @@
           <a:p>
             <a:fld id="{48B45424-6BAC-416C-8F6C-5F9DE854A36B}" type="datetimeFigureOut">
               <a:rPr lang="en-US" smtClean="0"/>
-              <a:t>6/22/2024</a:t>
+              <a:t>7/2/2024</a:t>
             </a:fld>
             <a:endParaRPr lang="en-US"/>
           </a:p>
@@ -3418,7 +4690,7 @@
           <a:p>
             <a:fld id="{6B733702-C25A-40B9-9167-54BAA79B29B0}" type="datetimeFigureOut">
               <a:rPr lang="en-US" smtClean="0"/>
-              <a:t>6/22/2024</a:t>
+              <a:t>7/2/2024</a:t>
             </a:fld>
             <a:endParaRPr lang="en-US"/>
           </a:p>
@@ -4884,35 +6156,35 @@
               <a:buNone/>
               <a:defRPr sz="2400"/>
             </a:lvl1pPr>
-            <a:lvl2pPr marL="457200" indent="0" algn="ctr">
+            <a:lvl2pPr marL="457189" indent="0" algn="ctr">
               <a:buNone/>
               <a:defRPr sz="2000"/>
             </a:lvl2pPr>
-            <a:lvl3pPr marL="914400" indent="0" algn="ctr">
+            <a:lvl3pPr marL="914377" indent="0" algn="ctr">
               <a:buNone/>
               <a:defRPr sz="1800"/>
             </a:lvl3pPr>
-            <a:lvl4pPr marL="1371600" indent="0" algn="ctr">
+            <a:lvl4pPr marL="1371566" indent="0" algn="ctr">
               <a:buNone/>
               <a:defRPr sz="1600"/>
             </a:lvl4pPr>
-            <a:lvl5pPr marL="1828800" indent="0" algn="ctr">
+            <a:lvl5pPr marL="1828754" indent="0" algn="ctr">
               <a:buNone/>
               <a:defRPr sz="1600"/>
             </a:lvl5pPr>
-            <a:lvl6pPr marL="2286000" indent="0" algn="ctr">
+            <a:lvl6pPr marL="2285943" indent="0" algn="ctr">
               <a:buNone/>
               <a:defRPr sz="1600"/>
             </a:lvl6pPr>
-            <a:lvl7pPr marL="2743200" indent="0" algn="ctr">
+            <a:lvl7pPr marL="2743131" indent="0" algn="ctr">
               <a:buNone/>
               <a:defRPr sz="1600"/>
             </a:lvl7pPr>
-            <a:lvl8pPr marL="3200400" indent="0" algn="ctr">
+            <a:lvl8pPr marL="3200320" indent="0" algn="ctr">
               <a:buNone/>
               <a:defRPr sz="1600"/>
             </a:lvl8pPr>
-            <a:lvl9pPr marL="3657600" indent="0" algn="ctr">
+            <a:lvl9pPr marL="3657509" indent="0" algn="ctr">
               <a:buNone/>
               <a:defRPr sz="1600"/>
             </a:lvl9pPr>
@@ -4943,7 +6215,7 @@
           <a:p>
             <a:fld id="{C764DE79-268F-4C1A-8933-263129D2AF90}" type="datetimeFigureOut">
               <a:rPr lang="en-US" dirty="0"/>
-              <a:t>6/22/2024</a:t>
+              <a:t>7/2/2024</a:t>
             </a:fld>
             <a:endParaRPr lang="en-US" dirty="0"/>
           </a:p>
@@ -5114,7 +6386,7 @@
           <a:p>
             <a:fld id="{C764DE79-268F-4C1A-8933-263129D2AF90}" type="datetimeFigureOut">
               <a:rPr lang="en-US" dirty="0"/>
-              <a:t>6/22/2024</a:t>
+              <a:t>7/2/2024</a:t>
             </a:fld>
             <a:endParaRPr lang="en-US" dirty="0"/>
           </a:p>
@@ -5205,7 +6477,7 @@
         </p:nvSpPr>
         <p:spPr>
           <a:xfrm>
-            <a:off x="8724900" y="365125"/>
+            <a:off x="8724901" y="365125"/>
             <a:ext cx="2628900" cy="5811838"/>
           </a:xfrm>
         </p:spPr>
@@ -5233,7 +6505,7 @@
         </p:nvSpPr>
         <p:spPr>
           <a:xfrm>
-            <a:off x="838200" y="365125"/>
+            <a:off x="838201" y="365125"/>
             <a:ext cx="7734300" cy="5811838"/>
           </a:xfrm>
         </p:spPr>
@@ -5295,7 +6567,7 @@
           <a:p>
             <a:fld id="{C764DE79-268F-4C1A-8933-263129D2AF90}" type="datetimeFigureOut">
               <a:rPr lang="en-US" dirty="0"/>
-              <a:t>6/22/2024</a:t>
+              <a:t>7/2/2024</a:t>
             </a:fld>
             <a:endParaRPr lang="en-US" dirty="0"/>
           </a:p>
@@ -5494,7 +6766,7 @@
         </p:nvSpPr>
         <p:spPr>
           <a:xfrm>
-            <a:off x="838200" y="6565258"/>
+            <a:off x="838200" y="6565260"/>
             <a:ext cx="2743200" cy="365125"/>
           </a:xfrm>
           <a:prstGeom prst="rect">
@@ -5519,7 +6791,7 @@
             <a:fld id="{F70EAA40-3A53-4A3D-924A-D38F1059C7D5}" type="datetime1">
               <a:rPr lang="en-US" smtClean="0"/>
               <a:pPr/>
-              <a:t>6/22/2024</a:t>
+              <a:t>7/2/2024</a:t>
             </a:fld>
             <a:endParaRPr lang="en-US"/>
           </a:p>
@@ -5543,7 +6815,7 @@
         </p:nvSpPr>
         <p:spPr>
           <a:xfrm>
-            <a:off x="4038600" y="6565258"/>
+            <a:off x="4038600" y="6565260"/>
             <a:ext cx="4114800" cy="365125"/>
           </a:xfrm>
           <a:prstGeom prst="rect">
@@ -5587,7 +6859,7 @@
         </p:nvSpPr>
         <p:spPr>
           <a:xfrm>
-            <a:off x="9156511" y="6572127"/>
+            <a:off x="9156511" y="6572129"/>
             <a:ext cx="2743200" cy="365125"/>
           </a:xfrm>
           <a:prstGeom prst="rect">
@@ -5636,7 +6908,7 @@
         </p:nvSpPr>
         <p:spPr>
           <a:xfrm>
-            <a:off x="313436" y="78614"/>
+            <a:off x="313436" y="78616"/>
             <a:ext cx="11565128" cy="451739"/>
           </a:xfrm>
           <a:prstGeom prst="rect">
@@ -5683,7 +6955,7 @@
         </p:nvSpPr>
         <p:spPr>
           <a:xfrm>
-            <a:off x="313267" y="963168"/>
+            <a:off x="313268" y="963168"/>
             <a:ext cx="11565467" cy="5132832"/>
           </a:xfrm>
           <a:prstGeom prst="rect">
@@ -5828,7 +7100,7 @@
         </p:nvSpPr>
         <p:spPr>
           <a:xfrm>
-            <a:off x="838200" y="6565258"/>
+            <a:off x="838200" y="6565260"/>
             <a:ext cx="2743200" cy="365125"/>
           </a:xfrm>
           <a:prstGeom prst="rect">
@@ -5855,7 +7127,7 @@
             <a:fld id="{F70EAA40-3A53-4A3D-924A-D38F1059C7D5}" type="datetime1">
               <a:rPr lang="en-US" smtClean="0"/>
               <a:pPr/>
-              <a:t>6/22/2024</a:t>
+              <a:t>7/2/2024</a:t>
             </a:fld>
             <a:endParaRPr lang="en-US"/>
           </a:p>
@@ -5879,7 +7151,7 @@
         </p:nvSpPr>
         <p:spPr>
           <a:xfrm>
-            <a:off x="4038600" y="6565258"/>
+            <a:off x="4038600" y="6565260"/>
             <a:ext cx="4114800" cy="365125"/>
           </a:xfrm>
           <a:prstGeom prst="rect">
@@ -5923,7 +7195,7 @@
         </p:nvSpPr>
         <p:spPr>
           <a:xfrm>
-            <a:off x="9156511" y="6572127"/>
+            <a:off x="9156511" y="6572129"/>
             <a:ext cx="2743200" cy="365125"/>
           </a:xfrm>
           <a:prstGeom prst="rect">
@@ -6016,7 +7288,7 @@
         </p:nvSpPr>
         <p:spPr>
           <a:xfrm>
-            <a:off x="838200" y="6565258"/>
+            <a:off x="838200" y="6565260"/>
             <a:ext cx="2743200" cy="365125"/>
           </a:xfrm>
           <a:prstGeom prst="rect">
@@ -6041,7 +7313,7 @@
             <a:fld id="{F70EAA40-3A53-4A3D-924A-D38F1059C7D5}" type="datetime1">
               <a:rPr lang="en-US" smtClean="0"/>
               <a:pPr/>
-              <a:t>6/22/2024</a:t>
+              <a:t>7/2/2024</a:t>
             </a:fld>
             <a:endParaRPr lang="en-US"/>
           </a:p>
@@ -6065,7 +7337,7 @@
         </p:nvSpPr>
         <p:spPr>
           <a:xfrm>
-            <a:off x="4038600" y="6565258"/>
+            <a:off x="4038600" y="6565260"/>
             <a:ext cx="4114800" cy="365125"/>
           </a:xfrm>
           <a:prstGeom prst="rect">
@@ -6109,7 +7381,7 @@
         </p:nvSpPr>
         <p:spPr>
           <a:xfrm>
-            <a:off x="9156511" y="6572127"/>
+            <a:off x="9156511" y="6572129"/>
             <a:ext cx="2743200" cy="365125"/>
           </a:xfrm>
           <a:prstGeom prst="rect">
@@ -6360,7 +7632,7 @@
         </p:nvSpPr>
         <p:spPr>
           <a:xfrm>
-            <a:off x="313436" y="78614"/>
+            <a:off x="313436" y="78616"/>
             <a:ext cx="11565128" cy="451739"/>
           </a:xfrm>
           <a:prstGeom prst="rect">
@@ -6451,7 +7723,7 @@
         </p:nvSpPr>
         <p:spPr>
           <a:xfrm>
-            <a:off x="313436" y="78614"/>
+            <a:off x="313436" y="78616"/>
             <a:ext cx="11565128" cy="451739"/>
           </a:xfrm>
           <a:prstGeom prst="rect">
@@ -6700,7 +7972,7 @@
         </p:nvSpPr>
         <p:spPr>
           <a:xfrm>
-            <a:off x="838200" y="6565258"/>
+            <a:off x="838200" y="6565260"/>
             <a:ext cx="2743200" cy="365125"/>
           </a:xfrm>
           <a:prstGeom prst="rect">
@@ -6727,7 +7999,7 @@
             <a:fld id="{F70EAA40-3A53-4A3D-924A-D38F1059C7D5}" type="datetime1">
               <a:rPr lang="en-US" smtClean="0"/>
               <a:pPr/>
-              <a:t>6/22/2024</a:t>
+              <a:t>7/2/2024</a:t>
             </a:fld>
             <a:endParaRPr lang="en-US"/>
           </a:p>
@@ -6751,7 +8023,7 @@
         </p:nvSpPr>
         <p:spPr>
           <a:xfrm>
-            <a:off x="4038600" y="6565258"/>
+            <a:off x="4038600" y="6565260"/>
             <a:ext cx="4114800" cy="365125"/>
           </a:xfrm>
           <a:prstGeom prst="rect">
@@ -6797,7 +8069,7 @@
         </p:nvSpPr>
         <p:spPr>
           <a:xfrm>
-            <a:off x="9156511" y="6572127"/>
+            <a:off x="9156511" y="6572129"/>
             <a:ext cx="2743200" cy="365125"/>
           </a:xfrm>
           <a:prstGeom prst="rect">
@@ -6892,7 +8164,7 @@
         </p:nvSpPr>
         <p:spPr>
           <a:xfrm>
-            <a:off x="838200" y="6565258"/>
+            <a:off x="838200" y="6565260"/>
             <a:ext cx="2743200" cy="365125"/>
           </a:xfrm>
           <a:prstGeom prst="rect">
@@ -6917,7 +8189,7 @@
             <a:fld id="{F70EAA40-3A53-4A3D-924A-D38F1059C7D5}" type="datetime1">
               <a:rPr lang="en-US" smtClean="0"/>
               <a:pPr/>
-              <a:t>6/22/2024</a:t>
+              <a:t>7/2/2024</a:t>
             </a:fld>
             <a:endParaRPr lang="en-US"/>
           </a:p>
@@ -6941,7 +8213,7 @@
         </p:nvSpPr>
         <p:spPr>
           <a:xfrm>
-            <a:off x="4038600" y="6565258"/>
+            <a:off x="4038600" y="6565260"/>
             <a:ext cx="4114800" cy="365125"/>
           </a:xfrm>
           <a:prstGeom prst="rect">
@@ -6985,7 +8257,7 @@
         </p:nvSpPr>
         <p:spPr>
           <a:xfrm>
-            <a:off x="9156511" y="6572127"/>
+            <a:off x="9156511" y="6572129"/>
             <a:ext cx="2743200" cy="365125"/>
           </a:xfrm>
           <a:prstGeom prst="rect">
@@ -7034,7 +8306,7 @@
         </p:nvSpPr>
         <p:spPr>
           <a:xfrm>
-            <a:off x="313436" y="78614"/>
+            <a:off x="313436" y="78616"/>
             <a:ext cx="11565128" cy="451739"/>
           </a:xfrm>
           <a:prstGeom prst="rect">
@@ -7081,7 +8353,7 @@
         </p:nvSpPr>
         <p:spPr>
           <a:xfrm>
-            <a:off x="313267" y="1227550"/>
+            <a:off x="313268" y="1227550"/>
             <a:ext cx="11565467" cy="4868449"/>
           </a:xfrm>
           <a:prstGeom prst="rect">
@@ -7226,7 +8498,7 @@
         </p:nvSpPr>
         <p:spPr>
           <a:xfrm>
-            <a:off x="313436" y="78614"/>
+            <a:off x="313436" y="78616"/>
             <a:ext cx="11565128" cy="451739"/>
           </a:xfrm>
           <a:prstGeom prst="rect">
@@ -7475,7 +8747,7 @@
         </p:nvSpPr>
         <p:spPr>
           <a:xfrm>
-            <a:off x="838200" y="6565258"/>
+            <a:off x="838200" y="6565260"/>
             <a:ext cx="2743200" cy="365125"/>
           </a:xfrm>
           <a:prstGeom prst="rect">
@@ -7500,7 +8772,7 @@
             <a:fld id="{F70EAA40-3A53-4A3D-924A-D38F1059C7D5}" type="datetime1">
               <a:rPr lang="en-US" smtClean="0"/>
               <a:pPr/>
-              <a:t>6/22/2024</a:t>
+              <a:t>7/2/2024</a:t>
             </a:fld>
             <a:endParaRPr lang="en-US"/>
           </a:p>
@@ -7524,7 +8796,7 @@
         </p:nvSpPr>
         <p:spPr>
           <a:xfrm>
-            <a:off x="4038600" y="6565258"/>
+            <a:off x="4038600" y="6565260"/>
             <a:ext cx="4114800" cy="365125"/>
           </a:xfrm>
           <a:prstGeom prst="rect">
@@ -7568,7 +8840,7 @@
         </p:nvSpPr>
         <p:spPr>
           <a:xfrm>
-            <a:off x="9156511" y="6572127"/>
+            <a:off x="9156511" y="6572129"/>
             <a:ext cx="2743200" cy="365125"/>
           </a:xfrm>
           <a:prstGeom prst="rect">
@@ -7721,7 +8993,7 @@
           <a:p>
             <a:fld id="{C764DE79-268F-4C1A-8933-263129D2AF90}" type="datetimeFigureOut">
               <a:rPr lang="en-US" dirty="0"/>
-              <a:t>6/22/2024</a:t>
+              <a:t>7/2/2024</a:t>
             </a:fld>
             <a:endParaRPr lang="en-US" dirty="0"/>
           </a:p>
@@ -7832,7 +9104,7 @@
         </p:nvSpPr>
         <p:spPr>
           <a:xfrm>
-            <a:off x="838200" y="6565258"/>
+            <a:off x="838200" y="6565260"/>
             <a:ext cx="2743200" cy="365125"/>
           </a:xfrm>
           <a:prstGeom prst="rect">
@@ -7857,7 +9129,7 @@
             <a:fld id="{F70EAA40-3A53-4A3D-924A-D38F1059C7D5}" type="datetime1">
               <a:rPr lang="en-US" smtClean="0"/>
               <a:pPr/>
-              <a:t>6/22/2024</a:t>
+              <a:t>7/2/2024</a:t>
             </a:fld>
             <a:endParaRPr lang="en-US"/>
           </a:p>
@@ -7881,7 +9153,7 @@
         </p:nvSpPr>
         <p:spPr>
           <a:xfrm>
-            <a:off x="4038600" y="6565258"/>
+            <a:off x="4038600" y="6565260"/>
             <a:ext cx="4114800" cy="365125"/>
           </a:xfrm>
           <a:prstGeom prst="rect">
@@ -7925,7 +9197,7 @@
         </p:nvSpPr>
         <p:spPr>
           <a:xfrm>
-            <a:off x="9156511" y="6572127"/>
+            <a:off x="9156511" y="6572129"/>
             <a:ext cx="2743200" cy="365125"/>
           </a:xfrm>
           <a:prstGeom prst="rect">
@@ -7974,7 +9246,7 @@
         </p:nvSpPr>
         <p:spPr>
           <a:xfrm>
-            <a:off x="313436" y="78614"/>
+            <a:off x="313436" y="78616"/>
             <a:ext cx="11565128" cy="451739"/>
           </a:xfrm>
           <a:prstGeom prst="rect">
@@ -8021,7 +9293,7 @@
         </p:nvSpPr>
         <p:spPr>
           <a:xfrm>
-            <a:off x="313267" y="1164921"/>
+            <a:off x="313268" y="1164923"/>
             <a:ext cx="11565467" cy="4931079"/>
           </a:xfrm>
           <a:prstGeom prst="rect">
@@ -8166,7 +9438,7 @@
         </p:nvSpPr>
         <p:spPr>
           <a:xfrm>
-            <a:off x="838200" y="6565258"/>
+            <a:off x="838200" y="6565260"/>
             <a:ext cx="2743200" cy="365125"/>
           </a:xfrm>
           <a:prstGeom prst="rect">
@@ -8191,7 +9463,7 @@
             <a:fld id="{F70EAA40-3A53-4A3D-924A-D38F1059C7D5}" type="datetime1">
               <a:rPr lang="en-US" smtClean="0"/>
               <a:pPr/>
-              <a:t>6/22/2024</a:t>
+              <a:t>7/2/2024</a:t>
             </a:fld>
             <a:endParaRPr lang="en-US"/>
           </a:p>
@@ -8215,7 +9487,7 @@
         </p:nvSpPr>
         <p:spPr>
           <a:xfrm>
-            <a:off x="4038600" y="6565258"/>
+            <a:off x="4038600" y="6565260"/>
             <a:ext cx="4114800" cy="365125"/>
           </a:xfrm>
           <a:prstGeom prst="rect">
@@ -8259,7 +9531,7 @@
         </p:nvSpPr>
         <p:spPr>
           <a:xfrm>
-            <a:off x="9156511" y="6572127"/>
+            <a:off x="9156511" y="6572129"/>
             <a:ext cx="2743200" cy="365125"/>
           </a:xfrm>
           <a:prstGeom prst="rect">
@@ -8308,7 +9580,7 @@
         </p:nvSpPr>
         <p:spPr>
           <a:xfrm>
-            <a:off x="313436" y="78614"/>
+            <a:off x="313436" y="78616"/>
             <a:ext cx="11565128" cy="451739"/>
           </a:xfrm>
           <a:prstGeom prst="rect">
@@ -8355,7 +9627,7 @@
         </p:nvSpPr>
         <p:spPr>
           <a:xfrm>
-            <a:off x="313436" y="841248"/>
+            <a:off x="313436" y="841250"/>
             <a:ext cx="11565467" cy="5303393"/>
           </a:xfrm>
           <a:prstGeom prst="rect">
@@ -8480,7 +9752,7 @@
         </p:nvSpPr>
         <p:spPr>
           <a:xfrm>
-            <a:off x="831850" y="1709738"/>
+            <a:off x="831851" y="1709740"/>
             <a:ext cx="10515600" cy="2852737"/>
           </a:xfrm>
         </p:spPr>
@@ -8512,7 +9784,7 @@
         </p:nvSpPr>
         <p:spPr>
           <a:xfrm>
-            <a:off x="831850" y="4589463"/>
+            <a:off x="831851" y="4589465"/>
             <a:ext cx="10515600" cy="1500187"/>
           </a:xfrm>
         </p:spPr>
@@ -8529,7 +9801,7 @@
                 </a:solidFill>
               </a:defRPr>
             </a:lvl1pPr>
-            <a:lvl2pPr marL="457200" indent="0">
+            <a:lvl2pPr marL="457189" indent="0">
               <a:buNone/>
               <a:defRPr sz="2000">
                 <a:solidFill>
@@ -8539,7 +9811,7 @@
                 </a:solidFill>
               </a:defRPr>
             </a:lvl2pPr>
-            <a:lvl3pPr marL="914400" indent="0">
+            <a:lvl3pPr marL="914377" indent="0">
               <a:buNone/>
               <a:defRPr sz="1800">
                 <a:solidFill>
@@ -8549,7 +9821,7 @@
                 </a:solidFill>
               </a:defRPr>
             </a:lvl3pPr>
-            <a:lvl4pPr marL="1371600" indent="0">
+            <a:lvl4pPr marL="1371566" indent="0">
               <a:buNone/>
               <a:defRPr sz="1600">
                 <a:solidFill>
@@ -8559,7 +9831,7 @@
                 </a:solidFill>
               </a:defRPr>
             </a:lvl4pPr>
-            <a:lvl5pPr marL="1828800" indent="0">
+            <a:lvl5pPr marL="1828754" indent="0">
               <a:buNone/>
               <a:defRPr sz="1600">
                 <a:solidFill>
@@ -8569,7 +9841,7 @@
                 </a:solidFill>
               </a:defRPr>
             </a:lvl5pPr>
-            <a:lvl6pPr marL="2286000" indent="0">
+            <a:lvl6pPr marL="2285943" indent="0">
               <a:buNone/>
               <a:defRPr sz="1600">
                 <a:solidFill>
@@ -8579,7 +9851,7 @@
                 </a:solidFill>
               </a:defRPr>
             </a:lvl6pPr>
-            <a:lvl7pPr marL="2743200" indent="0">
+            <a:lvl7pPr marL="2743131" indent="0">
               <a:buNone/>
               <a:defRPr sz="1600">
                 <a:solidFill>
@@ -8589,7 +9861,7 @@
                 </a:solidFill>
               </a:defRPr>
             </a:lvl7pPr>
-            <a:lvl8pPr marL="3200400" indent="0">
+            <a:lvl8pPr marL="3200320" indent="0">
               <a:buNone/>
               <a:defRPr sz="1600">
                 <a:solidFill>
@@ -8599,7 +9871,7 @@
                 </a:solidFill>
               </a:defRPr>
             </a:lvl8pPr>
-            <a:lvl9pPr marL="3657600" indent="0">
+            <a:lvl9pPr marL="3657509" indent="0">
               <a:buNone/>
               <a:defRPr sz="1600">
                 <a:solidFill>
@@ -8636,7 +9908,7 @@
           <a:p>
             <a:fld id="{C764DE79-268F-4C1A-8933-263129D2AF90}" type="datetimeFigureOut">
               <a:rPr lang="en-US" dirty="0"/>
-              <a:t>6/22/2024</a:t>
+              <a:t>7/2/2024</a:t>
             </a:fld>
             <a:endParaRPr lang="en-US" dirty="0"/>
           </a:p>
@@ -8869,7 +10141,7 @@
           <a:p>
             <a:fld id="{C764DE79-268F-4C1A-8933-263129D2AF90}" type="datetimeFigureOut">
               <a:rPr lang="en-US" dirty="0"/>
-              <a:t>6/22/2024</a:t>
+              <a:t>7/2/2024</a:t>
             </a:fld>
             <a:endParaRPr lang="en-US" dirty="0"/>
           </a:p>
@@ -8960,7 +10232,7 @@
         </p:nvSpPr>
         <p:spPr>
           <a:xfrm>
-            <a:off x="839788" y="365125"/>
+            <a:off x="839788" y="365127"/>
             <a:ext cx="10515600" cy="1325563"/>
           </a:xfrm>
         </p:spPr>
@@ -8988,7 +10260,7 @@
         </p:nvSpPr>
         <p:spPr>
           <a:xfrm>
-            <a:off x="839788" y="1681163"/>
+            <a:off x="839789" y="1681163"/>
             <a:ext cx="5157787" cy="823912"/>
           </a:xfrm>
         </p:spPr>
@@ -8999,35 +10271,35 @@
               <a:buNone/>
               <a:defRPr sz="2400" b="1"/>
             </a:lvl1pPr>
-            <a:lvl2pPr marL="457200" indent="0">
+            <a:lvl2pPr marL="457189" indent="0">
               <a:buNone/>
               <a:defRPr sz="2000" b="1"/>
             </a:lvl2pPr>
-            <a:lvl3pPr marL="914400" indent="0">
+            <a:lvl3pPr marL="914377" indent="0">
               <a:buNone/>
               <a:defRPr sz="1800" b="1"/>
             </a:lvl3pPr>
-            <a:lvl4pPr marL="1371600" indent="0">
+            <a:lvl4pPr marL="1371566" indent="0">
               <a:buNone/>
               <a:defRPr sz="1600" b="1"/>
             </a:lvl4pPr>
-            <a:lvl5pPr marL="1828800" indent="0">
+            <a:lvl5pPr marL="1828754" indent="0">
               <a:buNone/>
               <a:defRPr sz="1600" b="1"/>
             </a:lvl5pPr>
-            <a:lvl6pPr marL="2286000" indent="0">
+            <a:lvl6pPr marL="2285943" indent="0">
               <a:buNone/>
               <a:defRPr sz="1600" b="1"/>
             </a:lvl6pPr>
-            <a:lvl7pPr marL="2743200" indent="0">
+            <a:lvl7pPr marL="2743131" indent="0">
               <a:buNone/>
               <a:defRPr sz="1600" b="1"/>
             </a:lvl7pPr>
-            <a:lvl8pPr marL="3200400" indent="0">
+            <a:lvl8pPr marL="3200320" indent="0">
               <a:buNone/>
               <a:defRPr sz="1600" b="1"/>
             </a:lvl8pPr>
-            <a:lvl9pPr marL="3657600" indent="0">
+            <a:lvl9pPr marL="3657509" indent="0">
               <a:buNone/>
               <a:defRPr sz="1600" b="1"/>
             </a:lvl9pPr>
@@ -9053,7 +10325,7 @@
         </p:nvSpPr>
         <p:spPr>
           <a:xfrm>
-            <a:off x="839788" y="2505075"/>
+            <a:off x="839789" y="2505075"/>
             <a:ext cx="5157787" cy="3684588"/>
           </a:xfrm>
         </p:spPr>
@@ -9110,7 +10382,7 @@
         </p:nvSpPr>
         <p:spPr>
           <a:xfrm>
-            <a:off x="6172200" y="1681163"/>
+            <a:off x="6172201" y="1681163"/>
             <a:ext cx="5183188" cy="823912"/>
           </a:xfrm>
         </p:spPr>
@@ -9121,35 +10393,35 @@
               <a:buNone/>
               <a:defRPr sz="2400" b="1"/>
             </a:lvl1pPr>
-            <a:lvl2pPr marL="457200" indent="0">
+            <a:lvl2pPr marL="457189" indent="0">
               <a:buNone/>
               <a:defRPr sz="2000" b="1"/>
             </a:lvl2pPr>
-            <a:lvl3pPr marL="914400" indent="0">
+            <a:lvl3pPr marL="914377" indent="0">
               <a:buNone/>
               <a:defRPr sz="1800" b="1"/>
             </a:lvl3pPr>
-            <a:lvl4pPr marL="1371600" indent="0">
+            <a:lvl4pPr marL="1371566" indent="0">
               <a:buNone/>
               <a:defRPr sz="1600" b="1"/>
             </a:lvl4pPr>
-            <a:lvl5pPr marL="1828800" indent="0">
+            <a:lvl5pPr marL="1828754" indent="0">
               <a:buNone/>
               <a:defRPr sz="1600" b="1"/>
             </a:lvl5pPr>
-            <a:lvl6pPr marL="2286000" indent="0">
+            <a:lvl6pPr marL="2285943" indent="0">
               <a:buNone/>
               <a:defRPr sz="1600" b="1"/>
             </a:lvl6pPr>
-            <a:lvl7pPr marL="2743200" indent="0">
+            <a:lvl7pPr marL="2743131" indent="0">
               <a:buNone/>
               <a:defRPr sz="1600" b="1"/>
             </a:lvl7pPr>
-            <a:lvl8pPr marL="3200400" indent="0">
+            <a:lvl8pPr marL="3200320" indent="0">
               <a:buNone/>
               <a:defRPr sz="1600" b="1"/>
             </a:lvl8pPr>
-            <a:lvl9pPr marL="3657600" indent="0">
+            <a:lvl9pPr marL="3657509" indent="0">
               <a:buNone/>
               <a:defRPr sz="1600" b="1"/>
             </a:lvl9pPr>
@@ -9175,7 +10447,7 @@
         </p:nvSpPr>
         <p:spPr>
           <a:xfrm>
-            <a:off x="6172200" y="2505075"/>
+            <a:off x="6172201" y="2505075"/>
             <a:ext cx="5183188" cy="3684588"/>
           </a:xfrm>
         </p:spPr>
@@ -9237,7 +10509,7 @@
           <a:p>
             <a:fld id="{C764DE79-268F-4C1A-8933-263129D2AF90}" type="datetimeFigureOut">
               <a:rPr lang="en-US" dirty="0"/>
-              <a:t>6/22/2024</a:t>
+              <a:t>7/2/2024</a:t>
             </a:fld>
             <a:endParaRPr lang="en-US" dirty="0"/>
           </a:p>
@@ -9356,7 +10628,7 @@
           <a:p>
             <a:fld id="{C764DE79-268F-4C1A-8933-263129D2AF90}" type="datetimeFigureOut">
               <a:rPr lang="en-US" dirty="0"/>
-              <a:t>6/22/2024</a:t>
+              <a:t>7/2/2024</a:t>
             </a:fld>
             <a:endParaRPr lang="en-US" dirty="0"/>
           </a:p>
@@ -9452,7 +10724,7 @@
           <a:p>
             <a:fld id="{C764DE79-268F-4C1A-8933-263129D2AF90}" type="datetimeFigureOut">
               <a:rPr lang="en-US" dirty="0"/>
-              <a:t>6/22/2024</a:t>
+              <a:t>7/2/2024</a:t>
             </a:fld>
             <a:endParaRPr lang="en-US" dirty="0"/>
           </a:p>
@@ -9575,7 +10847,7 @@
         </p:nvSpPr>
         <p:spPr>
           <a:xfrm>
-            <a:off x="5183188" y="987425"/>
+            <a:off x="5183188" y="987427"/>
             <a:ext cx="6172200" cy="4873625"/>
           </a:xfrm>
         </p:spPr>
@@ -9671,35 +10943,35 @@
               <a:buNone/>
               <a:defRPr sz="1600"/>
             </a:lvl1pPr>
-            <a:lvl2pPr marL="457200" indent="0">
+            <a:lvl2pPr marL="457189" indent="0">
               <a:buNone/>
               <a:defRPr sz="1400"/>
             </a:lvl2pPr>
-            <a:lvl3pPr marL="914400" indent="0">
+            <a:lvl3pPr marL="914377" indent="0">
               <a:buNone/>
               <a:defRPr sz="1200"/>
             </a:lvl3pPr>
-            <a:lvl4pPr marL="1371600" indent="0">
+            <a:lvl4pPr marL="1371566" indent="0">
               <a:buNone/>
               <a:defRPr sz="1000"/>
             </a:lvl4pPr>
-            <a:lvl5pPr marL="1828800" indent="0">
+            <a:lvl5pPr marL="1828754" indent="0">
               <a:buNone/>
               <a:defRPr sz="1000"/>
             </a:lvl5pPr>
-            <a:lvl6pPr marL="2286000" indent="0">
+            <a:lvl6pPr marL="2285943" indent="0">
               <a:buNone/>
               <a:defRPr sz="1000"/>
             </a:lvl6pPr>
-            <a:lvl7pPr marL="2743200" indent="0">
+            <a:lvl7pPr marL="2743131" indent="0">
               <a:buNone/>
               <a:defRPr sz="1000"/>
             </a:lvl7pPr>
-            <a:lvl8pPr marL="3200400" indent="0">
+            <a:lvl8pPr marL="3200320" indent="0">
               <a:buNone/>
               <a:defRPr sz="1000"/>
             </a:lvl8pPr>
-            <a:lvl9pPr marL="3657600" indent="0">
+            <a:lvl9pPr marL="3657509" indent="0">
               <a:buNone/>
               <a:defRPr sz="1000"/>
             </a:lvl9pPr>
@@ -9730,7 +11002,7 @@
           <a:p>
             <a:fld id="{C764DE79-268F-4C1A-8933-263129D2AF90}" type="datetimeFigureOut">
               <a:rPr lang="en-US" dirty="0"/>
-              <a:t>6/22/2024</a:t>
+              <a:t>7/2/2024</a:t>
             </a:fld>
             <a:endParaRPr lang="en-US" dirty="0"/>
           </a:p>
@@ -9853,7 +11125,7 @@
         </p:nvSpPr>
         <p:spPr>
           <a:xfrm>
-            <a:off x="5183188" y="987425"/>
+            <a:off x="5183188" y="987427"/>
             <a:ext cx="6172200" cy="4873625"/>
           </a:xfrm>
         </p:spPr>
@@ -9864,35 +11136,35 @@
               <a:buNone/>
               <a:defRPr sz="3200"/>
             </a:lvl1pPr>
-            <a:lvl2pPr marL="457200" indent="0">
+            <a:lvl2pPr marL="457189" indent="0">
               <a:buNone/>
               <a:defRPr sz="2800"/>
             </a:lvl2pPr>
-            <a:lvl3pPr marL="914400" indent="0">
+            <a:lvl3pPr marL="914377" indent="0">
               <a:buNone/>
               <a:defRPr sz="2400"/>
             </a:lvl3pPr>
-            <a:lvl4pPr marL="1371600" indent="0">
+            <a:lvl4pPr marL="1371566" indent="0">
               <a:buNone/>
               <a:defRPr sz="2000"/>
             </a:lvl4pPr>
-            <a:lvl5pPr marL="1828800" indent="0">
+            <a:lvl5pPr marL="1828754" indent="0">
               <a:buNone/>
               <a:defRPr sz="2000"/>
             </a:lvl5pPr>
-            <a:lvl6pPr marL="2286000" indent="0">
+            <a:lvl6pPr marL="2285943" indent="0">
               <a:buNone/>
               <a:defRPr sz="2000"/>
             </a:lvl6pPr>
-            <a:lvl7pPr marL="2743200" indent="0">
+            <a:lvl7pPr marL="2743131" indent="0">
               <a:buNone/>
               <a:defRPr sz="2000"/>
             </a:lvl7pPr>
-            <a:lvl8pPr marL="3200400" indent="0">
+            <a:lvl8pPr marL="3200320" indent="0">
               <a:buNone/>
               <a:defRPr sz="2000"/>
             </a:lvl8pPr>
-            <a:lvl9pPr marL="3657600" indent="0">
+            <a:lvl9pPr marL="3657509" indent="0">
               <a:buNone/>
               <a:defRPr sz="2000"/>
             </a:lvl9pPr>
@@ -9929,35 +11201,35 @@
               <a:buNone/>
               <a:defRPr sz="1600"/>
             </a:lvl1pPr>
-            <a:lvl2pPr marL="457200" indent="0">
+            <a:lvl2pPr marL="457189" indent="0">
               <a:buNone/>
               <a:defRPr sz="1400"/>
             </a:lvl2pPr>
-            <a:lvl3pPr marL="914400" indent="0">
+            <a:lvl3pPr marL="914377" indent="0">
               <a:buNone/>
               <a:defRPr sz="1200"/>
             </a:lvl3pPr>
-            <a:lvl4pPr marL="1371600" indent="0">
+            <a:lvl4pPr marL="1371566" indent="0">
               <a:buNone/>
               <a:defRPr sz="1000"/>
             </a:lvl4pPr>
-            <a:lvl5pPr marL="1828800" indent="0">
+            <a:lvl5pPr marL="1828754" indent="0">
               <a:buNone/>
               <a:defRPr sz="1000"/>
             </a:lvl5pPr>
-            <a:lvl6pPr marL="2286000" indent="0">
+            <a:lvl6pPr marL="2285943" indent="0">
               <a:buNone/>
               <a:defRPr sz="1000"/>
             </a:lvl6pPr>
-            <a:lvl7pPr marL="2743200" indent="0">
+            <a:lvl7pPr marL="2743131" indent="0">
               <a:buNone/>
               <a:defRPr sz="1000"/>
             </a:lvl7pPr>
-            <a:lvl8pPr marL="3200400" indent="0">
+            <a:lvl8pPr marL="3200320" indent="0">
               <a:buNone/>
               <a:defRPr sz="1000"/>
             </a:lvl8pPr>
-            <a:lvl9pPr marL="3657600" indent="0">
+            <a:lvl9pPr marL="3657509" indent="0">
               <a:buNone/>
               <a:defRPr sz="1000"/>
             </a:lvl9pPr>
@@ -9988,7 +11260,7 @@
           <a:p>
             <a:fld id="{C764DE79-268F-4C1A-8933-263129D2AF90}" type="datetimeFigureOut">
               <a:rPr lang="en-US" dirty="0"/>
-              <a:t>6/22/2024</a:t>
+              <a:t>7/2/2024</a:t>
             </a:fld>
             <a:endParaRPr lang="en-US" dirty="0"/>
           </a:p>
@@ -10084,7 +11356,7 @@
         </p:nvSpPr>
         <p:spPr>
           <a:xfrm>
-            <a:off x="838200" y="365125"/>
+            <a:off x="838200" y="365127"/>
             <a:ext cx="10515600" cy="1325563"/>
           </a:xfrm>
           <a:prstGeom prst="rect">
@@ -10179,7 +11451,7 @@
         </p:nvSpPr>
         <p:spPr>
           <a:xfrm>
-            <a:off x="838200" y="6356350"/>
+            <a:off x="838200" y="6356352"/>
             <a:ext cx="2743200" cy="365125"/>
           </a:xfrm>
           <a:prstGeom prst="rect">
@@ -10202,7 +11474,7 @@
           <a:p>
             <a:fld id="{C764DE79-268F-4C1A-8933-263129D2AF90}" type="datetimeFigureOut">
               <a:rPr lang="en-US" dirty="0"/>
-              <a:t>6/22/2024</a:t>
+              <a:t>7/2/2024</a:t>
             </a:fld>
             <a:endParaRPr lang="en-US" dirty="0"/>
           </a:p>
@@ -10220,7 +11492,7 @@
         </p:nvSpPr>
         <p:spPr>
           <a:xfrm>
-            <a:off x="4038600" y="6356350"/>
+            <a:off x="4038600" y="6356352"/>
             <a:ext cx="4114800" cy="365125"/>
           </a:xfrm>
           <a:prstGeom prst="rect">
@@ -10257,7 +11529,7 @@
         </p:nvSpPr>
         <p:spPr>
           <a:xfrm>
-            <a:off x="8610600" y="6356350"/>
+            <a:off x="8610600" y="6356352"/>
             <a:ext cx="2743200" cy="365125"/>
           </a:xfrm>
           <a:prstGeom prst="rect">
@@ -10320,7 +11592,7 @@
   <p:hf hdr="0" ftr="0" dt="0"/>
   <p:txStyles>
     <p:titleStyle>
-      <a:lvl1pPr algn="l" defTabSz="914400" rtl="0" eaLnBrk="1" latinLnBrk="0" hangingPunct="1">
+      <a:lvl1pPr algn="l" defTabSz="914377" rtl="0" eaLnBrk="1" latinLnBrk="0" hangingPunct="1">
         <a:lnSpc>
           <a:spcPct val="90000"/>
         </a:lnSpc>
@@ -10339,7 +11611,7 @@
       </a:lvl1pPr>
     </p:titleStyle>
     <p:bodyStyle>
-      <a:lvl1pPr marL="228600" indent="-228600" algn="l" defTabSz="914400" rtl="0" eaLnBrk="1" latinLnBrk="0" hangingPunct="1">
+      <a:lvl1pPr marL="228594" indent="-228594" algn="l" defTabSz="914377" rtl="0" eaLnBrk="1" latinLnBrk="0" hangingPunct="1">
         <a:lnSpc>
           <a:spcPct val="90000"/>
         </a:lnSpc>
@@ -10357,7 +11629,7 @@
           <a:cs typeface="+mn-cs"/>
         </a:defRPr>
       </a:lvl1pPr>
-      <a:lvl2pPr marL="685800" indent="-228600" algn="l" defTabSz="914400" rtl="0" eaLnBrk="1" latinLnBrk="0" hangingPunct="1">
+      <a:lvl2pPr marL="685783" indent="-228594" algn="l" defTabSz="914377" rtl="0" eaLnBrk="1" latinLnBrk="0" hangingPunct="1">
         <a:lnSpc>
           <a:spcPct val="90000"/>
         </a:lnSpc>
@@ -10375,7 +11647,7 @@
           <a:cs typeface="+mn-cs"/>
         </a:defRPr>
       </a:lvl2pPr>
-      <a:lvl3pPr marL="1143000" indent="-228600" algn="l" defTabSz="914400" rtl="0" eaLnBrk="1" latinLnBrk="0" hangingPunct="1">
+      <a:lvl3pPr marL="1142971" indent="-228594" algn="l" defTabSz="914377" rtl="0" eaLnBrk="1" latinLnBrk="0" hangingPunct="1">
         <a:lnSpc>
           <a:spcPct val="90000"/>
         </a:lnSpc>
@@ -10393,7 +11665,7 @@
           <a:cs typeface="+mn-cs"/>
         </a:defRPr>
       </a:lvl3pPr>
-      <a:lvl4pPr marL="1600200" indent="-228600" algn="l" defTabSz="914400" rtl="0" eaLnBrk="1" latinLnBrk="0" hangingPunct="1">
+      <a:lvl4pPr marL="1600160" indent="-228594" algn="l" defTabSz="914377" rtl="0" eaLnBrk="1" latinLnBrk="0" hangingPunct="1">
         <a:lnSpc>
           <a:spcPct val="90000"/>
         </a:lnSpc>
@@ -10411,7 +11683,7 @@
           <a:cs typeface="+mn-cs"/>
         </a:defRPr>
       </a:lvl4pPr>
-      <a:lvl5pPr marL="2057400" indent="-228600" algn="l" defTabSz="914400" rtl="0" eaLnBrk="1" latinLnBrk="0" hangingPunct="1">
+      <a:lvl5pPr marL="2057349" indent="-228594" algn="l" defTabSz="914377" rtl="0" eaLnBrk="1" latinLnBrk="0" hangingPunct="1">
         <a:lnSpc>
           <a:spcPct val="90000"/>
         </a:lnSpc>
@@ -10429,7 +11701,7 @@
           <a:cs typeface="+mn-cs"/>
         </a:defRPr>
       </a:lvl5pPr>
-      <a:lvl6pPr marL="2514600" indent="-228600" algn="l" defTabSz="914400" rtl="0" eaLnBrk="1" latinLnBrk="0" hangingPunct="1">
+      <a:lvl6pPr marL="2514537" indent="-228594" algn="l" defTabSz="914377" rtl="0" eaLnBrk="1" latinLnBrk="0" hangingPunct="1">
         <a:lnSpc>
           <a:spcPct val="90000"/>
         </a:lnSpc>
@@ -10447,7 +11719,7 @@
           <a:cs typeface="+mn-cs"/>
         </a:defRPr>
       </a:lvl6pPr>
-      <a:lvl7pPr marL="2971800" indent="-228600" algn="l" defTabSz="914400" rtl="0" eaLnBrk="1" latinLnBrk="0" hangingPunct="1">
+      <a:lvl7pPr marL="2971726" indent="-228594" algn="l" defTabSz="914377" rtl="0" eaLnBrk="1" latinLnBrk="0" hangingPunct="1">
         <a:lnSpc>
           <a:spcPct val="90000"/>
         </a:lnSpc>
@@ -10465,7 +11737,7 @@
           <a:cs typeface="+mn-cs"/>
         </a:defRPr>
       </a:lvl7pPr>
-      <a:lvl8pPr marL="3429000" indent="-228600" algn="l" defTabSz="914400" rtl="0" eaLnBrk="1" latinLnBrk="0" hangingPunct="1">
+      <a:lvl8pPr marL="3428914" indent="-228594" algn="l" defTabSz="914377" rtl="0" eaLnBrk="1" latinLnBrk="0" hangingPunct="1">
         <a:lnSpc>
           <a:spcPct val="90000"/>
         </a:lnSpc>
@@ -10483,7 +11755,7 @@
           <a:cs typeface="+mn-cs"/>
         </a:defRPr>
       </a:lvl8pPr>
-      <a:lvl9pPr marL="3886200" indent="-228600" algn="l" defTabSz="914400" rtl="0" eaLnBrk="1" latinLnBrk="0" hangingPunct="1">
+      <a:lvl9pPr marL="3886103" indent="-228594" algn="l" defTabSz="914377" rtl="0" eaLnBrk="1" latinLnBrk="0" hangingPunct="1">
         <a:lnSpc>
           <a:spcPct val="90000"/>
         </a:lnSpc>
@@ -10506,7 +11778,7 @@
       <a:defPPr>
         <a:defRPr lang="en-US"/>
       </a:defPPr>
-      <a:lvl1pPr marL="0" algn="l" defTabSz="914400" rtl="0" eaLnBrk="1" latinLnBrk="0" hangingPunct="1">
+      <a:lvl1pPr marL="0" algn="l" defTabSz="914377" rtl="0" eaLnBrk="1" latinLnBrk="0" hangingPunct="1">
         <a:defRPr sz="1800" kern="1200">
           <a:solidFill>
             <a:schemeClr val="tx1"/>
@@ -10516,7 +11788,7 @@
           <a:cs typeface="+mn-cs"/>
         </a:defRPr>
       </a:lvl1pPr>
-      <a:lvl2pPr marL="457200" algn="l" defTabSz="914400" rtl="0" eaLnBrk="1" latinLnBrk="0" hangingPunct="1">
+      <a:lvl2pPr marL="457189" algn="l" defTabSz="914377" rtl="0" eaLnBrk="1" latinLnBrk="0" hangingPunct="1">
         <a:defRPr sz="1800" kern="1200">
           <a:solidFill>
             <a:schemeClr val="tx1"/>
@@ -10526,7 +11798,7 @@
           <a:cs typeface="+mn-cs"/>
         </a:defRPr>
       </a:lvl2pPr>
-      <a:lvl3pPr marL="914400" algn="l" defTabSz="914400" rtl="0" eaLnBrk="1" latinLnBrk="0" hangingPunct="1">
+      <a:lvl3pPr marL="914377" algn="l" defTabSz="914377" rtl="0" eaLnBrk="1" latinLnBrk="0" hangingPunct="1">
         <a:defRPr sz="1800" kern="1200">
           <a:solidFill>
             <a:schemeClr val="tx1"/>
@@ -10536,7 +11808,7 @@
           <a:cs typeface="+mn-cs"/>
         </a:defRPr>
       </a:lvl3pPr>
-      <a:lvl4pPr marL="1371600" algn="l" defTabSz="914400" rtl="0" eaLnBrk="1" latinLnBrk="0" hangingPunct="1">
+      <a:lvl4pPr marL="1371566" algn="l" defTabSz="914377" rtl="0" eaLnBrk="1" latinLnBrk="0" hangingPunct="1">
         <a:defRPr sz="1800" kern="1200">
           <a:solidFill>
             <a:schemeClr val="tx1"/>
@@ -10546,7 +11818,7 @@
           <a:cs typeface="+mn-cs"/>
         </a:defRPr>
       </a:lvl4pPr>
-      <a:lvl5pPr marL="1828800" algn="l" defTabSz="914400" rtl="0" eaLnBrk="1" latinLnBrk="0" hangingPunct="1">
+      <a:lvl5pPr marL="1828754" algn="l" defTabSz="914377" rtl="0" eaLnBrk="1" latinLnBrk="0" hangingPunct="1">
         <a:defRPr sz="1800" kern="1200">
           <a:solidFill>
             <a:schemeClr val="tx1"/>
@@ -10556,7 +11828,7 @@
           <a:cs typeface="+mn-cs"/>
         </a:defRPr>
       </a:lvl5pPr>
-      <a:lvl6pPr marL="2286000" algn="l" defTabSz="914400" rtl="0" eaLnBrk="1" latinLnBrk="0" hangingPunct="1">
+      <a:lvl6pPr marL="2285943" algn="l" defTabSz="914377" rtl="0" eaLnBrk="1" latinLnBrk="0" hangingPunct="1">
         <a:defRPr sz="1800" kern="1200">
           <a:solidFill>
             <a:schemeClr val="tx1"/>
@@ -10566,7 +11838,7 @@
           <a:cs typeface="+mn-cs"/>
         </a:defRPr>
       </a:lvl6pPr>
-      <a:lvl7pPr marL="2743200" algn="l" defTabSz="914400" rtl="0" eaLnBrk="1" latinLnBrk="0" hangingPunct="1">
+      <a:lvl7pPr marL="2743131" algn="l" defTabSz="914377" rtl="0" eaLnBrk="1" latinLnBrk="0" hangingPunct="1">
         <a:defRPr sz="1800" kern="1200">
           <a:solidFill>
             <a:schemeClr val="tx1"/>
@@ -10576,7 +11848,7 @@
           <a:cs typeface="+mn-cs"/>
         </a:defRPr>
       </a:lvl7pPr>
-      <a:lvl8pPr marL="3200400" algn="l" defTabSz="914400" rtl="0" eaLnBrk="1" latinLnBrk="0" hangingPunct="1">
+      <a:lvl8pPr marL="3200320" algn="l" defTabSz="914377" rtl="0" eaLnBrk="1" latinLnBrk="0" hangingPunct="1">
         <a:defRPr sz="1800" kern="1200">
           <a:solidFill>
             <a:schemeClr val="tx1"/>
@@ -10586,7 +11858,7 @@
           <a:cs typeface="+mn-cs"/>
         </a:defRPr>
       </a:lvl8pPr>
-      <a:lvl9pPr marL="3657600" algn="l" defTabSz="914400" rtl="0" eaLnBrk="1" latinLnBrk="0" hangingPunct="1">
+      <a:lvl9pPr marL="3657509" algn="l" defTabSz="914377" rtl="0" eaLnBrk="1" latinLnBrk="0" hangingPunct="1">
         <a:defRPr sz="1800" kern="1200">
           <a:solidFill>
             <a:schemeClr val="tx1"/>
@@ -10735,7 +12007,7 @@
         </p:blipFill>
         <p:spPr>
           <a:xfrm>
-            <a:off x="2815165" y="861465"/>
+            <a:off x="2815166" y="861466"/>
             <a:ext cx="6711293" cy="5379548"/>
           </a:xfrm>
           <a:prstGeom prst="rect">
@@ -10758,8 +12030,8 @@
         </p:nvSpPr>
         <p:spPr>
           <a:xfrm>
-            <a:off x="11232521" y="6153121"/>
-            <a:ext cx="646043" cy="168966"/>
+            <a:off x="11232521" y="6153122"/>
+            <a:ext cx="646043" cy="168967"/>
           </a:xfrm>
           <a:prstGeom prst="rect">
             <a:avLst/>
@@ -10904,8 +12176,8 @@
         </p:nvSpPr>
         <p:spPr>
           <a:xfrm>
-            <a:off x="11232521" y="6153121"/>
-            <a:ext cx="646043" cy="168966"/>
+            <a:off x="11232521" y="6153122"/>
+            <a:ext cx="646043" cy="168967"/>
           </a:xfrm>
           <a:prstGeom prst="rect">
             <a:avLst/>
@@ -10966,7 +12238,7 @@
         </p:blipFill>
         <p:spPr>
           <a:xfrm>
-            <a:off x="0" y="2920588"/>
+            <a:off x="0" y="2920589"/>
             <a:ext cx="6096000" cy="1184953"/>
           </a:xfrm>
           <a:prstGeom prst="rect">
@@ -10997,7 +12269,7 @@
         <p:spPr>
           <a:xfrm>
             <a:off x="0" y="1152042"/>
-            <a:ext cx="6264317" cy="1744318"/>
+            <a:ext cx="6264317" cy="1744319"/>
           </a:xfrm>
           <a:prstGeom prst="rect">
             <a:avLst/>
@@ -11026,7 +12298,7 @@
         </p:blipFill>
         <p:spPr>
           <a:xfrm>
-            <a:off x="2492417" y="5041135"/>
+            <a:off x="2492417" y="5041137"/>
             <a:ext cx="7543800" cy="1074471"/>
           </a:xfrm>
           <a:prstGeom prst="rect">
@@ -11212,8 +12484,8 @@
         </p:nvSpPr>
         <p:spPr>
           <a:xfrm>
-            <a:off x="11232521" y="6153121"/>
-            <a:ext cx="646043" cy="168966"/>
+            <a:off x="11232521" y="6153122"/>
+            <a:ext cx="646043" cy="168967"/>
           </a:xfrm>
           <a:prstGeom prst="rect">
             <a:avLst/>
@@ -11273,7 +12545,7 @@
         </p:blipFill>
         <p:spPr>
           <a:xfrm>
-            <a:off x="407504" y="1159319"/>
+            <a:off x="407505" y="1159321"/>
             <a:ext cx="3416945" cy="3505689"/>
           </a:xfrm>
           <a:prstGeom prst="rect">
@@ -11303,8 +12575,8 @@
         </p:blipFill>
         <p:spPr>
           <a:xfrm>
-            <a:off x="5503241" y="1340527"/>
-            <a:ext cx="3653270" cy="3514446"/>
+            <a:off x="5503242" y="1340527"/>
+            <a:ext cx="3653271" cy="3514447"/>
           </a:xfrm>
           <a:prstGeom prst="rect">
             <a:avLst/>
@@ -11387,7 +12659,7 @@
         </p:nvSpPr>
         <p:spPr>
           <a:xfrm>
-            <a:off x="5705095" y="3021992"/>
+            <a:off x="5705097" y="3021993"/>
             <a:ext cx="4197975" cy="814017"/>
           </a:xfrm>
           <a:prstGeom prst="rect">
@@ -11480,8 +12752,8 @@
         </p:blipFill>
         <p:spPr>
           <a:xfrm>
-            <a:off x="1937013" y="398419"/>
-            <a:ext cx="2037225" cy="611594"/>
+            <a:off x="1937014" y="398419"/>
+            <a:ext cx="2037225" cy="611595"/>
           </a:xfrm>
           <a:prstGeom prst="rect">
             <a:avLst/>
@@ -11505,7 +12777,7 @@
         <p:spPr>
           <a:xfrm>
             <a:off x="1937012" y="2421636"/>
-            <a:ext cx="7342482" cy="848792"/>
+            <a:ext cx="7342483" cy="848792"/>
           </a:xfrm>
           <a:prstGeom prst="rect">
             <a:avLst/>
@@ -11557,8 +12829,8 @@
         </p:nvSpPr>
         <p:spPr>
           <a:xfrm>
-            <a:off x="1937012" y="4051718"/>
-            <a:ext cx="7342482" cy="848793"/>
+            <a:off x="1937012" y="4051720"/>
+            <a:ext cx="7342483" cy="848793"/>
           </a:xfrm>
           <a:prstGeom prst="rect">
             <a:avLst/>
@@ -12996,8 +14268,8 @@
           </a:p>
         </p:txBody>
       </p:sp>
-      <mc:AlternateContent xmlns:mc="http://schemas.openxmlformats.org/markup-compatibility/2006" xmlns:a14="http://schemas.microsoft.com/office/drawing/2010/main">
-        <mc:Choice Requires="a14">
+      <mc:AlternateContent xmlns:mc="http://schemas.openxmlformats.org/markup-compatibility/2006">
+        <mc:Choice xmlns:a14="http://schemas.microsoft.com/office/drawing/2010/main" Requires="a14">
           <p:sp>
             <p:nvSpPr>
               <p:cNvPr id="5" name="TextBox 4">
@@ -13013,7 +14285,7 @@
             <p:spPr>
               <a:xfrm>
                 <a:off x="5668618" y="961215"/>
-                <a:ext cx="5551998" cy="3055195"/>
+                <a:ext cx="5551999" cy="3055195"/>
               </a:xfrm>
               <a:prstGeom prst="rect">
                 <a:avLst/>
@@ -14944,7 +16216,7 @@
             </p:txBody>
           </p:sp>
         </mc:Choice>
-        <mc:Fallback xmlns="">
+        <mc:Fallback>
           <p:sp>
             <p:nvSpPr>
               <p:cNvPr id="5" name="TextBox 4">
@@ -14962,7 +16234,7 @@
             <p:spPr>
               <a:xfrm>
                 <a:off x="5668618" y="961215"/>
-                <a:ext cx="5551998" cy="3055195"/>
+                <a:ext cx="5551999" cy="3055195"/>
               </a:xfrm>
               <a:prstGeom prst="rect">
                 <a:avLst/>
@@ -15011,7 +16283,7 @@
         </p:blipFill>
         <p:spPr>
           <a:xfrm>
-            <a:off x="0" y="1750848"/>
+            <a:off x="1" y="1750848"/>
             <a:ext cx="5759377" cy="3180440"/>
           </a:xfrm>
           <a:prstGeom prst="rect">
@@ -15033,7 +16305,7 @@
         </p:nvGrpSpPr>
         <p:grpSpPr>
           <a:xfrm>
-            <a:off x="5537220" y="4470534"/>
+            <a:off x="5537221" y="4470535"/>
             <a:ext cx="6472257" cy="1562517"/>
             <a:chOff x="5537220" y="4470534"/>
             <a:chExt cx="6472257" cy="1562517"/>
@@ -15155,7 +16427,7 @@
           </p:nvSpPr>
           <p:spPr>
             <a:xfrm>
-              <a:off x="5537221" y="4561956"/>
+              <a:off x="5537221" y="4561957"/>
               <a:ext cx="6240650" cy="646331"/>
             </a:xfrm>
             <a:prstGeom prst="rect">
@@ -15404,7 +16676,7 @@
         </p:blipFill>
         <p:spPr>
           <a:xfrm>
-            <a:off x="5738487" y="2180730"/>
+            <a:off x="5738487" y="2180731"/>
             <a:ext cx="6337852" cy="3536677"/>
           </a:xfrm>
           <a:prstGeom prst="rect">
@@ -15427,8 +16699,8 @@
         </p:nvSpPr>
         <p:spPr>
           <a:xfrm>
-            <a:off x="11253668" y="6133931"/>
-            <a:ext cx="646043" cy="168966"/>
+            <a:off x="11253669" y="6133931"/>
+            <a:ext cx="646043" cy="168967"/>
           </a:xfrm>
           <a:prstGeom prst="rect">
             <a:avLst/>
@@ -15580,7 +16852,7 @@
         </p:blipFill>
         <p:spPr>
           <a:xfrm>
-            <a:off x="3219678" y="830968"/>
+            <a:off x="3219679" y="830969"/>
             <a:ext cx="5768607" cy="5553028"/>
           </a:xfrm>
           <a:prstGeom prst="rect">
@@ -15701,8 +16973,8 @@
         </p:blipFill>
         <p:spPr>
           <a:xfrm>
-            <a:off x="3483113" y="836172"/>
-            <a:ext cx="4941662" cy="2284716"/>
+            <a:off x="3483114" y="836173"/>
+            <a:ext cx="4941663" cy="2284716"/>
           </a:xfrm>
           <a:prstGeom prst="rect">
             <a:avLst/>
@@ -15732,7 +17004,7 @@
         <p:spPr>
           <a:xfrm>
             <a:off x="3293512" y="3120888"/>
-            <a:ext cx="5317088" cy="3314210"/>
+            <a:ext cx="5317088" cy="3314211"/>
           </a:xfrm>
           <a:prstGeom prst="rect">
             <a:avLst/>
@@ -15852,7 +17124,7 @@
         </p:blipFill>
         <p:spPr>
           <a:xfrm>
-            <a:off x="2261653" y="1680919"/>
+            <a:off x="2261654" y="1680920"/>
             <a:ext cx="7668695" cy="3496163"/>
           </a:xfrm>
           <a:prstGeom prst="rect">
